--- a/19110369.pptx
+++ b/19110369.pptx
@@ -19,7 +19,6 @@
     <p:sldId id="267" r:id="rId14"/>
     <p:sldId id="268" r:id="rId15"/>
     <p:sldId id="269" r:id="rId16"/>
-    <p:sldId id="270" r:id="rId17"/>
   </p:sldIdLst>
   <p:sldSz cx="18288000" cy="10287000"/>
   <p:notesSz cx="7772400" cy="10058400"/>
@@ -50,7 +49,7 @@
             <a:spLocks noGrp="1"/>
           </p:cNvSpPr>
           <p:nvPr>
-            <p:ph type="ftr" idx="2"/>
+            <p:ph type="ftr" idx="1"/>
           </p:nvPr>
         </p:nvSpPr>
         <p:spPr/>
@@ -70,14 +69,14 @@
             <a:spLocks noGrp="1"/>
           </p:cNvSpPr>
           <p:nvPr>
-            <p:ph type="sldNum" idx="3"/>
+            <p:ph type="sldNum" idx="2"/>
           </p:nvPr>
         </p:nvSpPr>
         <p:spPr/>
         <p:txBody>
           <a:bodyPr/>
           <a:p>
-            <a:fld id="{07F2DD45-176C-4BD0-841B-46EDF6CDF6C2}" type="slidenum">
+            <a:fld id="{83E1266C-CD6C-40DA-9027-7D2B4F66C06C}" type="slidenum">
               <a:t>&lt;#&gt;</a:t>
             </a:fld>
           </a:p>
@@ -90,7 +89,7 @@
             <a:spLocks noGrp="1"/>
           </p:cNvSpPr>
           <p:nvPr>
-            <p:ph type="dt" idx="1"/>
+            <p:ph type="dt" idx="3"/>
           </p:nvPr>
         </p:nvSpPr>
         <p:spPr/>
@@ -154,11 +153,11 @@
             <a:noAutofit/>
           </a:bodyPr>
           <a:p>
-            <a:endParaRPr b="0" lang="en-US" sz="1800" spc="-1" strike="noStrike">
-              <a:solidFill>
-                <a:srgbClr val="000000"/>
-              </a:solidFill>
-              <a:latin typeface="Calibri"/>
+            <a:pPr algn="ctr">
+              <a:buNone/>
+            </a:pPr>
+            <a:endParaRPr b="0" lang="en-US" sz="4400" spc="-1" strike="noStrike">
+              <a:latin typeface="Arial"/>
             </a:endParaRPr>
           </a:p>
         </p:txBody>
@@ -192,10 +191,7 @@
           </a:bodyPr>
           <a:p>
             <a:endParaRPr b="0" lang="en-US" sz="3200" spc="-1" strike="noStrike">
-              <a:solidFill>
-                <a:srgbClr val="000000"/>
-              </a:solidFill>
-              <a:latin typeface="Calibri"/>
+              <a:latin typeface="Arial"/>
             </a:endParaRPr>
           </a:p>
         </p:txBody>
@@ -229,10 +225,7 @@
           </a:bodyPr>
           <a:p>
             <a:endParaRPr b="0" lang="en-US" sz="3200" spc="-1" strike="noStrike">
-              <a:solidFill>
-                <a:srgbClr val="000000"/>
-              </a:solidFill>
-              <a:latin typeface="Calibri"/>
+              <a:latin typeface="Arial"/>
             </a:endParaRPr>
           </a:p>
         </p:txBody>
@@ -244,7 +237,7 @@
             <a:spLocks noGrp="1"/>
           </p:cNvSpPr>
           <p:nvPr>
-            <p:ph type="ftr" idx="2"/>
+            <p:ph type="ftr" idx="1"/>
           </p:nvPr>
         </p:nvSpPr>
         <p:spPr/>
@@ -264,14 +257,14 @@
             <a:spLocks noGrp="1"/>
           </p:cNvSpPr>
           <p:nvPr>
-            <p:ph type="sldNum" idx="3"/>
+            <p:ph type="sldNum" idx="2"/>
           </p:nvPr>
         </p:nvSpPr>
         <p:spPr/>
         <p:txBody>
           <a:bodyPr/>
           <a:p>
-            <a:fld id="{BF50C843-3F5F-484D-A883-AD1DA5F91F72}" type="slidenum">
+            <a:fld id="{C334EB2B-A9B8-4EC4-9424-3A228027031A}" type="slidenum">
               <a:t>&lt;#&gt;</a:t>
             </a:fld>
           </a:p>
@@ -284,7 +277,7 @@
             <a:spLocks noGrp="1"/>
           </p:cNvSpPr>
           <p:nvPr>
-            <p:ph type="dt" idx="1"/>
+            <p:ph type="dt" idx="3"/>
           </p:nvPr>
         </p:nvSpPr>
         <p:spPr/>
@@ -348,11 +341,11 @@
             <a:noAutofit/>
           </a:bodyPr>
           <a:p>
-            <a:endParaRPr b="0" lang="en-US" sz="1800" spc="-1" strike="noStrike">
-              <a:solidFill>
-                <a:srgbClr val="000000"/>
-              </a:solidFill>
-              <a:latin typeface="Calibri"/>
+            <a:pPr algn="ctr">
+              <a:buNone/>
+            </a:pPr>
+            <a:endParaRPr b="0" lang="en-US" sz="4400" spc="-1" strike="noStrike">
+              <a:latin typeface="Arial"/>
             </a:endParaRPr>
           </a:p>
         </p:txBody>
@@ -386,10 +379,7 @@
           </a:bodyPr>
           <a:p>
             <a:endParaRPr b="0" lang="en-US" sz="3200" spc="-1" strike="noStrike">
-              <a:solidFill>
-                <a:srgbClr val="000000"/>
-              </a:solidFill>
-              <a:latin typeface="Calibri"/>
+              <a:latin typeface="Arial"/>
             </a:endParaRPr>
           </a:p>
         </p:txBody>
@@ -423,10 +413,7 @@
           </a:bodyPr>
           <a:p>
             <a:endParaRPr b="0" lang="en-US" sz="3200" spc="-1" strike="noStrike">
-              <a:solidFill>
-                <a:srgbClr val="000000"/>
-              </a:solidFill>
-              <a:latin typeface="Calibri"/>
+              <a:latin typeface="Arial"/>
             </a:endParaRPr>
           </a:p>
         </p:txBody>
@@ -460,10 +447,7 @@
           </a:bodyPr>
           <a:p>
             <a:endParaRPr b="0" lang="en-US" sz="3200" spc="-1" strike="noStrike">
-              <a:solidFill>
-                <a:srgbClr val="000000"/>
-              </a:solidFill>
-              <a:latin typeface="Calibri"/>
+              <a:latin typeface="Arial"/>
             </a:endParaRPr>
           </a:p>
         </p:txBody>
@@ -497,10 +481,7 @@
           </a:bodyPr>
           <a:p>
             <a:endParaRPr b="0" lang="en-US" sz="3200" spc="-1" strike="noStrike">
-              <a:solidFill>
-                <a:srgbClr val="000000"/>
-              </a:solidFill>
-              <a:latin typeface="Calibri"/>
+              <a:latin typeface="Arial"/>
             </a:endParaRPr>
           </a:p>
         </p:txBody>
@@ -512,7 +493,7 @@
             <a:spLocks noGrp="1"/>
           </p:cNvSpPr>
           <p:nvPr>
-            <p:ph type="ftr" idx="2"/>
+            <p:ph type="ftr" idx="1"/>
           </p:nvPr>
         </p:nvSpPr>
         <p:spPr/>
@@ -532,14 +513,14 @@
             <a:spLocks noGrp="1"/>
           </p:cNvSpPr>
           <p:nvPr>
-            <p:ph type="sldNum" idx="3"/>
+            <p:ph type="sldNum" idx="2"/>
           </p:nvPr>
         </p:nvSpPr>
         <p:spPr/>
         <p:txBody>
           <a:bodyPr/>
           <a:p>
-            <a:fld id="{7C3FD62B-4F5E-4242-B597-01C8BD9DF98B}" type="slidenum">
+            <a:fld id="{F5FBC234-C285-4205-BF39-C8A44169CECC}" type="slidenum">
               <a:t>&lt;#&gt;</a:t>
             </a:fld>
           </a:p>
@@ -552,7 +533,7 @@
             <a:spLocks noGrp="1"/>
           </p:cNvSpPr>
           <p:nvPr>
-            <p:ph type="dt" idx="1"/>
+            <p:ph type="dt" idx="3"/>
           </p:nvPr>
         </p:nvSpPr>
         <p:spPr/>
@@ -616,11 +597,11 @@
             <a:noAutofit/>
           </a:bodyPr>
           <a:p>
-            <a:endParaRPr b="0" lang="en-US" sz="1800" spc="-1" strike="noStrike">
-              <a:solidFill>
-                <a:srgbClr val="000000"/>
-              </a:solidFill>
-              <a:latin typeface="Calibri"/>
+            <a:pPr algn="ctr">
+              <a:buNone/>
+            </a:pPr>
+            <a:endParaRPr b="0" lang="en-US" sz="4400" spc="-1" strike="noStrike">
+              <a:latin typeface="Arial"/>
             </a:endParaRPr>
           </a:p>
         </p:txBody>
@@ -654,10 +635,7 @@
           </a:bodyPr>
           <a:p>
             <a:endParaRPr b="0" lang="en-US" sz="3200" spc="-1" strike="noStrike">
-              <a:solidFill>
-                <a:srgbClr val="000000"/>
-              </a:solidFill>
-              <a:latin typeface="Calibri"/>
+              <a:latin typeface="Arial"/>
             </a:endParaRPr>
           </a:p>
         </p:txBody>
@@ -691,10 +669,7 @@
           </a:bodyPr>
           <a:p>
             <a:endParaRPr b="0" lang="en-US" sz="3200" spc="-1" strike="noStrike">
-              <a:solidFill>
-                <a:srgbClr val="000000"/>
-              </a:solidFill>
-              <a:latin typeface="Calibri"/>
+              <a:latin typeface="Arial"/>
             </a:endParaRPr>
           </a:p>
         </p:txBody>
@@ -728,10 +703,7 @@
           </a:bodyPr>
           <a:p>
             <a:endParaRPr b="0" lang="en-US" sz="3200" spc="-1" strike="noStrike">
-              <a:solidFill>
-                <a:srgbClr val="000000"/>
-              </a:solidFill>
-              <a:latin typeface="Calibri"/>
+              <a:latin typeface="Arial"/>
             </a:endParaRPr>
           </a:p>
         </p:txBody>
@@ -765,10 +737,7 @@
           </a:bodyPr>
           <a:p>
             <a:endParaRPr b="0" lang="en-US" sz="3200" spc="-1" strike="noStrike">
-              <a:solidFill>
-                <a:srgbClr val="000000"/>
-              </a:solidFill>
-              <a:latin typeface="Calibri"/>
+              <a:latin typeface="Arial"/>
             </a:endParaRPr>
           </a:p>
         </p:txBody>
@@ -802,10 +771,7 @@
           </a:bodyPr>
           <a:p>
             <a:endParaRPr b="0" lang="en-US" sz="3200" spc="-1" strike="noStrike">
-              <a:solidFill>
-                <a:srgbClr val="000000"/>
-              </a:solidFill>
-              <a:latin typeface="Calibri"/>
+              <a:latin typeface="Arial"/>
             </a:endParaRPr>
           </a:p>
         </p:txBody>
@@ -839,10 +805,7 @@
           </a:bodyPr>
           <a:p>
             <a:endParaRPr b="0" lang="en-US" sz="3200" spc="-1" strike="noStrike">
-              <a:solidFill>
-                <a:srgbClr val="000000"/>
-              </a:solidFill>
-              <a:latin typeface="Calibri"/>
+              <a:latin typeface="Arial"/>
             </a:endParaRPr>
           </a:p>
         </p:txBody>
@@ -854,7 +817,7 @@
             <a:spLocks noGrp="1"/>
           </p:cNvSpPr>
           <p:nvPr>
-            <p:ph type="ftr" idx="2"/>
+            <p:ph type="ftr" idx="1"/>
           </p:nvPr>
         </p:nvSpPr>
         <p:spPr/>
@@ -874,14 +837,14 @@
             <a:spLocks noGrp="1"/>
           </p:cNvSpPr>
           <p:nvPr>
-            <p:ph type="sldNum" idx="3"/>
+            <p:ph type="sldNum" idx="2"/>
           </p:nvPr>
         </p:nvSpPr>
         <p:spPr/>
         <p:txBody>
           <a:bodyPr/>
           <a:p>
-            <a:fld id="{2D124FE8-0BEB-4A4E-8CAA-F917ED29E8B1}" type="slidenum">
+            <a:fld id="{7199FE59-F2E7-44CA-8B5B-D76D6A81DA47}" type="slidenum">
               <a:t>&lt;#&gt;</a:t>
             </a:fld>
           </a:p>
@@ -894,7 +857,7 @@
             <a:spLocks noGrp="1"/>
           </p:cNvSpPr>
           <p:nvPr>
-            <p:ph type="dt" idx="1"/>
+            <p:ph type="dt" idx="3"/>
           </p:nvPr>
         </p:nvSpPr>
         <p:spPr/>
@@ -958,11 +921,11 @@
             <a:noAutofit/>
           </a:bodyPr>
           <a:p>
-            <a:endParaRPr b="0" lang="en-US" sz="1800" spc="-1" strike="noStrike">
-              <a:solidFill>
-                <a:srgbClr val="000000"/>
-              </a:solidFill>
-              <a:latin typeface="Calibri"/>
+            <a:pPr algn="ctr">
+              <a:buNone/>
+            </a:pPr>
+            <a:endParaRPr b="0" lang="en-US" sz="4400" spc="-1" strike="noStrike">
+              <a:latin typeface="Arial"/>
             </a:endParaRPr>
           </a:p>
         </p:txBody>
@@ -1011,7 +974,7 @@
             <a:spLocks noGrp="1"/>
           </p:cNvSpPr>
           <p:nvPr>
-            <p:ph type="ftr" idx="2"/>
+            <p:ph type="ftr" idx="1"/>
           </p:nvPr>
         </p:nvSpPr>
         <p:spPr/>
@@ -1031,14 +994,14 @@
             <a:spLocks noGrp="1"/>
           </p:cNvSpPr>
           <p:nvPr>
-            <p:ph type="sldNum" idx="3"/>
+            <p:ph type="sldNum" idx="2"/>
           </p:nvPr>
         </p:nvSpPr>
         <p:spPr/>
         <p:txBody>
           <a:bodyPr/>
           <a:p>
-            <a:fld id="{30B73554-18A5-4B09-AFD4-ED5FCBDDC9A5}" type="slidenum">
+            <a:fld id="{2BEFE89A-5AB3-420D-8C5D-0EEEA1EF3342}" type="slidenum">
               <a:t>&lt;#&gt;</a:t>
             </a:fld>
           </a:p>
@@ -1051,7 +1014,7 @@
             <a:spLocks noGrp="1"/>
           </p:cNvSpPr>
           <p:nvPr>
-            <p:ph type="dt" idx="1"/>
+            <p:ph type="dt" idx="3"/>
           </p:nvPr>
         </p:nvSpPr>
         <p:spPr/>
@@ -1115,11 +1078,11 @@
             <a:noAutofit/>
           </a:bodyPr>
           <a:p>
-            <a:endParaRPr b="0" lang="en-US" sz="1800" spc="-1" strike="noStrike">
-              <a:solidFill>
-                <a:srgbClr val="000000"/>
-              </a:solidFill>
-              <a:latin typeface="Calibri"/>
+            <a:pPr algn="ctr">
+              <a:buNone/>
+            </a:pPr>
+            <a:endParaRPr b="0" lang="en-US" sz="4400" spc="-1" strike="noStrike">
+              <a:latin typeface="Arial"/>
             </a:endParaRPr>
           </a:p>
         </p:txBody>
@@ -1153,10 +1116,7 @@
           </a:bodyPr>
           <a:p>
             <a:endParaRPr b="0" lang="en-US" sz="3200" spc="-1" strike="noStrike">
-              <a:solidFill>
-                <a:srgbClr val="000000"/>
-              </a:solidFill>
-              <a:latin typeface="Calibri"/>
+              <a:latin typeface="Arial"/>
             </a:endParaRPr>
           </a:p>
         </p:txBody>
@@ -1168,7 +1128,7 @@
             <a:spLocks noGrp="1"/>
           </p:cNvSpPr>
           <p:nvPr>
-            <p:ph type="ftr" idx="2"/>
+            <p:ph type="ftr" idx="1"/>
           </p:nvPr>
         </p:nvSpPr>
         <p:spPr/>
@@ -1188,14 +1148,14 @@
             <a:spLocks noGrp="1"/>
           </p:cNvSpPr>
           <p:nvPr>
-            <p:ph type="sldNum" idx="3"/>
+            <p:ph type="sldNum" idx="2"/>
           </p:nvPr>
         </p:nvSpPr>
         <p:spPr/>
         <p:txBody>
           <a:bodyPr/>
           <a:p>
-            <a:fld id="{630FEA0F-7AC8-41D0-A209-0286F430B38F}" type="slidenum">
+            <a:fld id="{46DF209D-F8F2-4718-A89B-9560FBC89C4C}" type="slidenum">
               <a:t>&lt;#&gt;</a:t>
             </a:fld>
           </a:p>
@@ -1208,7 +1168,7 @@
             <a:spLocks noGrp="1"/>
           </p:cNvSpPr>
           <p:nvPr>
-            <p:ph type="dt" idx="1"/>
+            <p:ph type="dt" idx="3"/>
           </p:nvPr>
         </p:nvSpPr>
         <p:spPr/>
@@ -1272,11 +1232,11 @@
             <a:noAutofit/>
           </a:bodyPr>
           <a:p>
-            <a:endParaRPr b="0" lang="en-US" sz="1800" spc="-1" strike="noStrike">
-              <a:solidFill>
-                <a:srgbClr val="000000"/>
-              </a:solidFill>
-              <a:latin typeface="Calibri"/>
+            <a:pPr algn="ctr">
+              <a:buNone/>
+            </a:pPr>
+            <a:endParaRPr b="0" lang="en-US" sz="4400" spc="-1" strike="noStrike">
+              <a:latin typeface="Arial"/>
             </a:endParaRPr>
           </a:p>
         </p:txBody>
@@ -1310,10 +1270,7 @@
           </a:bodyPr>
           <a:p>
             <a:endParaRPr b="0" lang="en-US" sz="3200" spc="-1" strike="noStrike">
-              <a:solidFill>
-                <a:srgbClr val="000000"/>
-              </a:solidFill>
-              <a:latin typeface="Calibri"/>
+              <a:latin typeface="Arial"/>
             </a:endParaRPr>
           </a:p>
         </p:txBody>
@@ -1347,10 +1304,7 @@
           </a:bodyPr>
           <a:p>
             <a:endParaRPr b="0" lang="en-US" sz="3200" spc="-1" strike="noStrike">
-              <a:solidFill>
-                <a:srgbClr val="000000"/>
-              </a:solidFill>
-              <a:latin typeface="Calibri"/>
+              <a:latin typeface="Arial"/>
             </a:endParaRPr>
           </a:p>
         </p:txBody>
@@ -1362,7 +1316,7 @@
             <a:spLocks noGrp="1"/>
           </p:cNvSpPr>
           <p:nvPr>
-            <p:ph type="ftr" idx="2"/>
+            <p:ph type="ftr" idx="1"/>
           </p:nvPr>
         </p:nvSpPr>
         <p:spPr/>
@@ -1382,14 +1336,14 @@
             <a:spLocks noGrp="1"/>
           </p:cNvSpPr>
           <p:nvPr>
-            <p:ph type="sldNum" idx="3"/>
+            <p:ph type="sldNum" idx="2"/>
           </p:nvPr>
         </p:nvSpPr>
         <p:spPr/>
         <p:txBody>
           <a:bodyPr/>
           <a:p>
-            <a:fld id="{BA61C66B-146E-48CD-BA78-2235F0BD398A}" type="slidenum">
+            <a:fld id="{5CA8B1F6-CE7A-41B0-AE5F-B7706790FFB4}" type="slidenum">
               <a:t>&lt;#&gt;</a:t>
             </a:fld>
           </a:p>
@@ -1402,7 +1356,7 @@
             <a:spLocks noGrp="1"/>
           </p:cNvSpPr>
           <p:nvPr>
-            <p:ph type="dt" idx="1"/>
+            <p:ph type="dt" idx="3"/>
           </p:nvPr>
         </p:nvSpPr>
         <p:spPr/>
@@ -1466,11 +1420,11 @@
             <a:noAutofit/>
           </a:bodyPr>
           <a:p>
-            <a:endParaRPr b="0" lang="en-US" sz="1800" spc="-1" strike="noStrike">
-              <a:solidFill>
-                <a:srgbClr val="000000"/>
-              </a:solidFill>
-              <a:latin typeface="Calibri"/>
+            <a:pPr algn="ctr">
+              <a:buNone/>
+            </a:pPr>
+            <a:endParaRPr b="0" lang="en-US" sz="4400" spc="-1" strike="noStrike">
+              <a:latin typeface="Arial"/>
             </a:endParaRPr>
           </a:p>
         </p:txBody>
@@ -1482,7 +1436,7 @@
             <a:spLocks noGrp="1"/>
           </p:cNvSpPr>
           <p:nvPr>
-            <p:ph type="ftr" idx="2"/>
+            <p:ph type="ftr" idx="1"/>
           </p:nvPr>
         </p:nvSpPr>
         <p:spPr/>
@@ -1502,14 +1456,14 @@
             <a:spLocks noGrp="1"/>
           </p:cNvSpPr>
           <p:nvPr>
-            <p:ph type="sldNum" idx="3"/>
+            <p:ph type="sldNum" idx="2"/>
           </p:nvPr>
         </p:nvSpPr>
         <p:spPr/>
         <p:txBody>
           <a:bodyPr/>
           <a:p>
-            <a:fld id="{7CE82C79-31D5-4582-B348-FE249741F987}" type="slidenum">
+            <a:fld id="{5732C794-EE6B-47EA-A4D4-70DA4D9DD0A7}" type="slidenum">
               <a:t>&lt;#&gt;</a:t>
             </a:fld>
           </a:p>
@@ -1522,7 +1476,7 @@
             <a:spLocks noGrp="1"/>
           </p:cNvSpPr>
           <p:nvPr>
-            <p:ph type="dt" idx="1"/>
+            <p:ph type="dt" idx="3"/>
           </p:nvPr>
         </p:nvSpPr>
         <p:spPr/>
@@ -1602,7 +1556,7 @@
             <a:spLocks noGrp="1"/>
           </p:cNvSpPr>
           <p:nvPr>
-            <p:ph type="ftr" idx="2"/>
+            <p:ph type="ftr" idx="1"/>
           </p:nvPr>
         </p:nvSpPr>
         <p:spPr/>
@@ -1622,14 +1576,14 @@
             <a:spLocks noGrp="1"/>
           </p:cNvSpPr>
           <p:nvPr>
-            <p:ph type="sldNum" idx="3"/>
+            <p:ph type="sldNum" idx="2"/>
           </p:nvPr>
         </p:nvSpPr>
         <p:spPr/>
         <p:txBody>
           <a:bodyPr/>
           <a:p>
-            <a:fld id="{A05713A9-0AA5-46F4-BC9C-2822CCD29B97}" type="slidenum">
+            <a:fld id="{FE2EC9CC-DF4E-4EAD-B258-B0D529844B6A}" type="slidenum">
               <a:t>&lt;#&gt;</a:t>
             </a:fld>
           </a:p>
@@ -1642,7 +1596,7 @@
             <a:spLocks noGrp="1"/>
           </p:cNvSpPr>
           <p:nvPr>
-            <p:ph type="dt" idx="1"/>
+            <p:ph type="dt" idx="3"/>
           </p:nvPr>
         </p:nvSpPr>
         <p:spPr/>
@@ -1706,11 +1660,11 @@
             <a:noAutofit/>
           </a:bodyPr>
           <a:p>
-            <a:endParaRPr b="0" lang="en-US" sz="1800" spc="-1" strike="noStrike">
-              <a:solidFill>
-                <a:srgbClr val="000000"/>
-              </a:solidFill>
-              <a:latin typeface="Calibri"/>
+            <a:pPr algn="ctr">
+              <a:buNone/>
+            </a:pPr>
+            <a:endParaRPr b="0" lang="en-US" sz="4400" spc="-1" strike="noStrike">
+              <a:latin typeface="Arial"/>
             </a:endParaRPr>
           </a:p>
         </p:txBody>
@@ -1744,10 +1698,7 @@
           </a:bodyPr>
           <a:p>
             <a:endParaRPr b="0" lang="en-US" sz="3200" spc="-1" strike="noStrike">
-              <a:solidFill>
-                <a:srgbClr val="000000"/>
-              </a:solidFill>
-              <a:latin typeface="Calibri"/>
+              <a:latin typeface="Arial"/>
             </a:endParaRPr>
           </a:p>
         </p:txBody>
@@ -1781,10 +1732,7 @@
           </a:bodyPr>
           <a:p>
             <a:endParaRPr b="0" lang="en-US" sz="3200" spc="-1" strike="noStrike">
-              <a:solidFill>
-                <a:srgbClr val="000000"/>
-              </a:solidFill>
-              <a:latin typeface="Calibri"/>
+              <a:latin typeface="Arial"/>
             </a:endParaRPr>
           </a:p>
         </p:txBody>
@@ -1818,10 +1766,7 @@
           </a:bodyPr>
           <a:p>
             <a:endParaRPr b="0" lang="en-US" sz="3200" spc="-1" strike="noStrike">
-              <a:solidFill>
-                <a:srgbClr val="000000"/>
-              </a:solidFill>
-              <a:latin typeface="Calibri"/>
+              <a:latin typeface="Arial"/>
             </a:endParaRPr>
           </a:p>
         </p:txBody>
@@ -1833,7 +1778,7 @@
             <a:spLocks noGrp="1"/>
           </p:cNvSpPr>
           <p:nvPr>
-            <p:ph type="ftr" idx="2"/>
+            <p:ph type="ftr" idx="1"/>
           </p:nvPr>
         </p:nvSpPr>
         <p:spPr/>
@@ -1853,14 +1798,14 @@
             <a:spLocks noGrp="1"/>
           </p:cNvSpPr>
           <p:nvPr>
-            <p:ph type="sldNum" idx="3"/>
+            <p:ph type="sldNum" idx="2"/>
           </p:nvPr>
         </p:nvSpPr>
         <p:spPr/>
         <p:txBody>
           <a:bodyPr/>
           <a:p>
-            <a:fld id="{9ACB342A-EE3A-4B7D-900B-83D87A7AE49F}" type="slidenum">
+            <a:fld id="{7361E7D5-6738-4728-9BE5-3F4C991AD38B}" type="slidenum">
               <a:t>&lt;#&gt;</a:t>
             </a:fld>
           </a:p>
@@ -1873,7 +1818,7 @@
             <a:spLocks noGrp="1"/>
           </p:cNvSpPr>
           <p:nvPr>
-            <p:ph type="dt" idx="1"/>
+            <p:ph type="dt" idx="3"/>
           </p:nvPr>
         </p:nvSpPr>
         <p:spPr/>
@@ -1937,11 +1882,11 @@
             <a:noAutofit/>
           </a:bodyPr>
           <a:p>
-            <a:endParaRPr b="0" lang="en-US" sz="1800" spc="-1" strike="noStrike">
-              <a:solidFill>
-                <a:srgbClr val="000000"/>
-              </a:solidFill>
-              <a:latin typeface="Calibri"/>
+            <a:pPr algn="ctr">
+              <a:buNone/>
+            </a:pPr>
+            <a:endParaRPr b="0" lang="en-US" sz="4400" spc="-1" strike="noStrike">
+              <a:latin typeface="Arial"/>
             </a:endParaRPr>
           </a:p>
         </p:txBody>
@@ -1975,10 +1920,7 @@
           </a:bodyPr>
           <a:p>
             <a:endParaRPr b="0" lang="en-US" sz="3200" spc="-1" strike="noStrike">
-              <a:solidFill>
-                <a:srgbClr val="000000"/>
-              </a:solidFill>
-              <a:latin typeface="Calibri"/>
+              <a:latin typeface="Arial"/>
             </a:endParaRPr>
           </a:p>
         </p:txBody>
@@ -2012,10 +1954,7 @@
           </a:bodyPr>
           <a:p>
             <a:endParaRPr b="0" lang="en-US" sz="3200" spc="-1" strike="noStrike">
-              <a:solidFill>
-                <a:srgbClr val="000000"/>
-              </a:solidFill>
-              <a:latin typeface="Calibri"/>
+              <a:latin typeface="Arial"/>
             </a:endParaRPr>
           </a:p>
         </p:txBody>
@@ -2049,10 +1988,7 @@
           </a:bodyPr>
           <a:p>
             <a:endParaRPr b="0" lang="en-US" sz="3200" spc="-1" strike="noStrike">
-              <a:solidFill>
-                <a:srgbClr val="000000"/>
-              </a:solidFill>
-              <a:latin typeface="Calibri"/>
+              <a:latin typeface="Arial"/>
             </a:endParaRPr>
           </a:p>
         </p:txBody>
@@ -2064,7 +2000,7 @@
             <a:spLocks noGrp="1"/>
           </p:cNvSpPr>
           <p:nvPr>
-            <p:ph type="ftr" idx="2"/>
+            <p:ph type="ftr" idx="1"/>
           </p:nvPr>
         </p:nvSpPr>
         <p:spPr/>
@@ -2084,14 +2020,14 @@
             <a:spLocks noGrp="1"/>
           </p:cNvSpPr>
           <p:nvPr>
-            <p:ph type="sldNum" idx="3"/>
+            <p:ph type="sldNum" idx="2"/>
           </p:nvPr>
         </p:nvSpPr>
         <p:spPr/>
         <p:txBody>
           <a:bodyPr/>
           <a:p>
-            <a:fld id="{119E558F-F4B7-4DE7-B39A-3D7A8059579F}" type="slidenum">
+            <a:fld id="{D887556C-26D2-427F-B0B9-1275303B9509}" type="slidenum">
               <a:t>&lt;#&gt;</a:t>
             </a:fld>
           </a:p>
@@ -2104,7 +2040,7 @@
             <a:spLocks noGrp="1"/>
           </p:cNvSpPr>
           <p:nvPr>
-            <p:ph type="dt" idx="1"/>
+            <p:ph type="dt" idx="3"/>
           </p:nvPr>
         </p:nvSpPr>
         <p:spPr/>
@@ -2168,11 +2104,11 @@
             <a:noAutofit/>
           </a:bodyPr>
           <a:p>
-            <a:endParaRPr b="0" lang="en-US" sz="1800" spc="-1" strike="noStrike">
-              <a:solidFill>
-                <a:srgbClr val="000000"/>
-              </a:solidFill>
-              <a:latin typeface="Calibri"/>
+            <a:pPr algn="ctr">
+              <a:buNone/>
+            </a:pPr>
+            <a:endParaRPr b="0" lang="en-US" sz="4400" spc="-1" strike="noStrike">
+              <a:latin typeface="Arial"/>
             </a:endParaRPr>
           </a:p>
         </p:txBody>
@@ -2206,10 +2142,7 @@
           </a:bodyPr>
           <a:p>
             <a:endParaRPr b="0" lang="en-US" sz="3200" spc="-1" strike="noStrike">
-              <a:solidFill>
-                <a:srgbClr val="000000"/>
-              </a:solidFill>
-              <a:latin typeface="Calibri"/>
+              <a:latin typeface="Arial"/>
             </a:endParaRPr>
           </a:p>
         </p:txBody>
@@ -2243,10 +2176,7 @@
           </a:bodyPr>
           <a:p>
             <a:endParaRPr b="0" lang="en-US" sz="3200" spc="-1" strike="noStrike">
-              <a:solidFill>
-                <a:srgbClr val="000000"/>
-              </a:solidFill>
-              <a:latin typeface="Calibri"/>
+              <a:latin typeface="Arial"/>
             </a:endParaRPr>
           </a:p>
         </p:txBody>
@@ -2280,10 +2210,7 @@
           </a:bodyPr>
           <a:p>
             <a:endParaRPr b="0" lang="en-US" sz="3200" spc="-1" strike="noStrike">
-              <a:solidFill>
-                <a:srgbClr val="000000"/>
-              </a:solidFill>
-              <a:latin typeface="Calibri"/>
+              <a:latin typeface="Arial"/>
             </a:endParaRPr>
           </a:p>
         </p:txBody>
@@ -2295,7 +2222,7 @@
             <a:spLocks noGrp="1"/>
           </p:cNvSpPr>
           <p:nvPr>
-            <p:ph type="ftr" idx="2"/>
+            <p:ph type="ftr" idx="1"/>
           </p:nvPr>
         </p:nvSpPr>
         <p:spPr/>
@@ -2315,14 +2242,14 @@
             <a:spLocks noGrp="1"/>
           </p:cNvSpPr>
           <p:nvPr>
-            <p:ph type="sldNum" idx="3"/>
+            <p:ph type="sldNum" idx="2"/>
           </p:nvPr>
         </p:nvSpPr>
         <p:spPr/>
         <p:txBody>
           <a:bodyPr/>
           <a:p>
-            <a:fld id="{F361BB9E-AF52-4AD1-9C5B-470AC3CEDC7E}" type="slidenum">
+            <a:fld id="{ADD1FA09-6901-4467-A1FC-9850F94C1E00}" type="slidenum">
               <a:t>&lt;#&gt;</a:t>
             </a:fld>
           </a:p>
@@ -2335,7 +2262,7 @@
             <a:spLocks noGrp="1"/>
           </p:cNvSpPr>
           <p:nvPr>
-            <p:ph type="dt" idx="1"/>
+            <p:ph type="dt" idx="3"/>
           </p:nvPr>
         </p:nvSpPr>
         <p:spPr/>
@@ -2385,13 +2312,13 @@
             <a:spLocks noGrp="1"/>
           </p:cNvSpPr>
           <p:nvPr>
-            <p:ph type="dt" idx="1"/>
+            <p:ph type="ftr" idx="1"/>
           </p:nvPr>
         </p:nvSpPr>
         <p:spPr>
           <a:xfrm>
-            <a:off x="457200" y="6356520"/>
-            <a:ext cx="2133360" cy="364680"/>
+            <a:off x="3124080" y="6356520"/>
+            <a:ext cx="2894760" cy="364320"/>
           </a:xfrm>
           <a:prstGeom prst="rect">
             <a:avLst/>
@@ -2402,74 +2329,14 @@
           </a:ln>
         </p:spPr>
         <p:txBody>
-          <a:bodyPr anchor="ctr">
-            <a:noAutofit/>
-          </a:bodyPr>
-          <a:lstStyle>
-            <a:lvl1pPr>
-              <a:lnSpc>
-                <a:spcPct val="100000"/>
-              </a:lnSpc>
-              <a:buNone/>
-              <a:defRPr b="0" lang="en-US" sz="1200" spc="-1" strike="noStrike">
-                <a:solidFill>
-                  <a:srgbClr val="8b8b8b"/>
-                </a:solidFill>
-                <a:latin typeface="Calibri"/>
-              </a:defRPr>
-            </a:lvl1pPr>
-          </a:lstStyle>
-          <a:p>
-            <a:pPr>
-              <a:lnSpc>
-                <a:spcPct val="100000"/>
-              </a:lnSpc>
-              <a:buNone/>
-            </a:pPr>
-            <a:r>
-              <a:rPr b="0" lang="en-US" sz="1200" spc="-1" strike="noStrike">
-                <a:solidFill>
-                  <a:srgbClr val="8b8b8b"/>
-                </a:solidFill>
-                <a:latin typeface="Calibri"/>
-              </a:rPr>
-              <a:t>&lt;date/time&gt;</a:t>
-            </a:r>
-            <a:endParaRPr b="0" lang="en-US" sz="1200" spc="-1" strike="noStrike">
-              <a:latin typeface="Times New Roman"/>
-            </a:endParaRPr>
-          </a:p>
-        </p:txBody>
-      </p:sp>
-      <p:sp>
-        <p:nvSpPr>
-          <p:cNvPr id="1" name="PlaceHolder 2"/>
-          <p:cNvSpPr>
-            <a:spLocks noGrp="1"/>
-          </p:cNvSpPr>
-          <p:nvPr>
-            <p:ph type="ftr" idx="2"/>
-          </p:nvPr>
-        </p:nvSpPr>
-        <p:spPr>
-          <a:xfrm>
-            <a:off x="3124080" y="6356520"/>
-            <a:ext cx="2895120" cy="364680"/>
-          </a:xfrm>
-          <a:prstGeom prst="rect">
-            <a:avLst/>
-          </a:prstGeom>
-          <a:noFill/>
-          <a:ln w="0">
-            <a:noFill/>
-          </a:ln>
-        </p:spPr>
-        <p:txBody>
-          <a:bodyPr anchor="ctr">
+          <a:bodyPr lIns="90000" rIns="90000" tIns="45000" bIns="45000" anchor="ctr">
             <a:noAutofit/>
           </a:bodyPr>
           <a:lstStyle>
             <a:lvl1pPr algn="ctr">
+              <a:lnSpc>
+                <a:spcPct val="100000"/>
+              </a:lnSpc>
               <a:buNone/>
               <a:defRPr b="0" lang="en-US" sz="1400" spc="-1" strike="noStrike">
                 <a:latin typeface="Times New Roman"/>
@@ -2478,6 +2345,9 @@
           </a:lstStyle>
           <a:p>
             <a:pPr algn="ctr">
+              <a:lnSpc>
+                <a:spcPct val="100000"/>
+              </a:lnSpc>
               <a:buNone/>
             </a:pPr>
             <a:r>
@@ -2494,18 +2364,18 @@
       </p:sp>
       <p:sp>
         <p:nvSpPr>
-          <p:cNvPr id="2" name="PlaceHolder 3"/>
+          <p:cNvPr id="1" name="PlaceHolder 2"/>
           <p:cNvSpPr>
             <a:spLocks noGrp="1"/>
           </p:cNvSpPr>
           <p:nvPr>
-            <p:ph type="sldNum" idx="3"/>
+            <p:ph type="sldNum" idx="2"/>
           </p:nvPr>
         </p:nvSpPr>
         <p:spPr>
           <a:xfrm>
             <a:off x="6553080" y="6356520"/>
-            <a:ext cx="2133360" cy="364680"/>
+            <a:ext cx="2133000" cy="364320"/>
           </a:xfrm>
           <a:prstGeom prst="rect">
             <a:avLst/>
@@ -2516,7 +2386,7 @@
           </a:ln>
         </p:spPr>
         <p:txBody>
-          <a:bodyPr anchor="ctr">
+          <a:bodyPr lIns="90000" rIns="90000" tIns="45000" bIns="45000" anchor="ctr">
             <a:noAutofit/>
           </a:bodyPr>
           <a:lstStyle>
@@ -2540,7 +2410,7 @@
               </a:lnSpc>
               <a:buNone/>
             </a:pPr>
-            <a:fld id="{7C7954F5-580B-4449-B7A4-5F8D1F19A0D2}" type="slidenum">
+            <a:fld id="{0A3271DD-143B-4D9B-AD25-D8DEA8D4CB84}" type="slidenum">
               <a:rPr b="0" lang="en-US" sz="1200" spc="-1" strike="noStrike">
                 <a:solidFill>
                   <a:srgbClr val="8b8b8b"/>
@@ -2557,6 +2427,53 @@
       </p:sp>
       <p:sp>
         <p:nvSpPr>
+          <p:cNvPr id="2" name="PlaceHolder 3"/>
+          <p:cNvSpPr>
+            <a:spLocks noGrp="1"/>
+          </p:cNvSpPr>
+          <p:nvPr>
+            <p:ph type="dt" idx="3"/>
+          </p:nvPr>
+        </p:nvSpPr>
+        <p:spPr>
+          <a:xfrm>
+            <a:off x="457200" y="6356520"/>
+            <a:ext cx="2133000" cy="364320"/>
+          </a:xfrm>
+          <a:prstGeom prst="rect">
+            <a:avLst/>
+          </a:prstGeom>
+          <a:noFill/>
+          <a:ln w="0">
+            <a:noFill/>
+          </a:ln>
+        </p:spPr>
+        <p:txBody>
+          <a:bodyPr lIns="90000" rIns="90000" tIns="45000" bIns="45000" anchor="ctr">
+            <a:noAutofit/>
+          </a:bodyPr>
+          <a:lstStyle>
+            <a:lvl1pPr>
+              <a:defRPr b="0" lang="en-US" sz="1400" spc="-1" strike="noStrike">
+                <a:latin typeface="Times New Roman"/>
+              </a:defRPr>
+            </a:lvl1pPr>
+          </a:lstStyle>
+          <a:p>
+            <a:r>
+              <a:rPr b="0" lang="en-US" sz="1400" spc="-1" strike="noStrike">
+                <a:latin typeface="Times New Roman"/>
+              </a:rPr>
+              <a:t>&lt;date/time&gt;</a:t>
+            </a:r>
+            <a:endParaRPr b="0" lang="en-US" sz="1400" spc="-1" strike="noStrike">
+              <a:latin typeface="Times New Roman"/>
+            </a:endParaRPr>
+          </a:p>
+        </p:txBody>
+      </p:sp>
+      <p:sp>
+        <p:nvSpPr>
           <p:cNvPr id="3" name="PlaceHolder 4"/>
           <p:cNvSpPr>
             <a:spLocks noGrp="1"/>
@@ -2583,20 +2500,17 @@
             <a:noAutofit/>
           </a:bodyPr>
           <a:p>
+            <a:pPr algn="ctr">
+              <a:buNone/>
+            </a:pPr>
             <a:r>
-              <a:rPr b="0" lang="en-US" sz="1800" spc="-1" strike="noStrike">
-                <a:solidFill>
-                  <a:srgbClr val="000000"/>
-                </a:solidFill>
-                <a:latin typeface="Calibri"/>
+              <a:rPr b="0" lang="en-US" sz="4400" spc="-1" strike="noStrike">
+                <a:latin typeface="Arial"/>
               </a:rPr>
               <a:t>Click to edit the title text format</a:t>
             </a:r>
-            <a:endParaRPr b="0" lang="en-US" sz="1800" spc="-1" strike="noStrike">
-              <a:solidFill>
-                <a:srgbClr val="000000"/>
-              </a:solidFill>
-              <a:latin typeface="Calibri"/>
+            <a:endParaRPr b="0" lang="en-US" sz="4400" spc="-1" strike="noStrike">
+              <a:latin typeface="Arial"/>
             </a:endParaRPr>
           </a:p>
         </p:txBody>
@@ -2642,18 +2556,12 @@
             </a:pPr>
             <a:r>
               <a:rPr b="0" lang="en-US" sz="3200" spc="-1" strike="noStrike">
-                <a:solidFill>
-                  <a:srgbClr val="000000"/>
-                </a:solidFill>
-                <a:latin typeface="Calibri"/>
+                <a:latin typeface="Arial"/>
               </a:rPr>
               <a:t>Click to edit the outline text format</a:t>
             </a:r>
             <a:endParaRPr b="0" lang="en-US" sz="3200" spc="-1" strike="noStrike">
-              <a:solidFill>
-                <a:srgbClr val="000000"/>
-              </a:solidFill>
-              <a:latin typeface="Calibri"/>
+              <a:latin typeface="Arial"/>
             </a:endParaRPr>
           </a:p>
           <a:p>
@@ -2669,19 +2577,13 @@
               <a:buChar char=""/>
             </a:pPr>
             <a:r>
-              <a:rPr b="0" lang="en-US" sz="2400" spc="-1" strike="noStrike">
-                <a:solidFill>
-                  <a:srgbClr val="000000"/>
-                </a:solidFill>
-                <a:latin typeface="Calibri"/>
+              <a:rPr b="0" lang="en-US" sz="2800" spc="-1" strike="noStrike">
+                <a:latin typeface="Arial"/>
               </a:rPr>
               <a:t>Second Outline Level</a:t>
             </a:r>
-            <a:endParaRPr b="0" lang="en-US" sz="2400" spc="-1" strike="noStrike">
-              <a:solidFill>
-                <a:srgbClr val="000000"/>
-              </a:solidFill>
-              <a:latin typeface="Calibri"/>
+            <a:endParaRPr b="0" lang="en-US" sz="2800" spc="-1" strike="noStrike">
+              <a:latin typeface="Arial"/>
             </a:endParaRPr>
           </a:p>
           <a:p>
@@ -2697,19 +2599,13 @@
               <a:buChar char=""/>
             </a:pPr>
             <a:r>
-              <a:rPr b="0" lang="en-US" sz="2000" spc="-1" strike="noStrike">
-                <a:solidFill>
-                  <a:srgbClr val="000000"/>
-                </a:solidFill>
-                <a:latin typeface="Calibri"/>
+              <a:rPr b="0" lang="en-US" sz="2400" spc="-1" strike="noStrike">
+                <a:latin typeface="Arial"/>
               </a:rPr>
               <a:t>Third Outline Level</a:t>
             </a:r>
-            <a:endParaRPr b="0" lang="en-US" sz="2000" spc="-1" strike="noStrike">
-              <a:solidFill>
-                <a:srgbClr val="000000"/>
-              </a:solidFill>
-              <a:latin typeface="Calibri"/>
+            <a:endParaRPr b="0" lang="en-US" sz="2400" spc="-1" strike="noStrike">
+              <a:latin typeface="Arial"/>
             </a:endParaRPr>
           </a:p>
           <a:p>
@@ -2726,18 +2622,12 @@
             </a:pPr>
             <a:r>
               <a:rPr b="0" lang="en-US" sz="2000" spc="-1" strike="noStrike">
-                <a:solidFill>
-                  <a:srgbClr val="000000"/>
-                </a:solidFill>
-                <a:latin typeface="Calibri"/>
+                <a:latin typeface="Arial"/>
               </a:rPr>
               <a:t>Fourth Outline Level</a:t>
             </a:r>
             <a:endParaRPr b="0" lang="en-US" sz="2000" spc="-1" strike="noStrike">
-              <a:solidFill>
-                <a:srgbClr val="000000"/>
-              </a:solidFill>
-              <a:latin typeface="Calibri"/>
+              <a:latin typeface="Arial"/>
             </a:endParaRPr>
           </a:p>
           <a:p>
@@ -2754,18 +2644,12 @@
             </a:pPr>
             <a:r>
               <a:rPr b="0" lang="en-US" sz="2000" spc="-1" strike="noStrike">
-                <a:solidFill>
-                  <a:srgbClr val="000000"/>
-                </a:solidFill>
-                <a:latin typeface="Calibri"/>
+                <a:latin typeface="Arial"/>
               </a:rPr>
               <a:t>Fifth Outline Level</a:t>
             </a:r>
             <a:endParaRPr b="0" lang="en-US" sz="2000" spc="-1" strike="noStrike">
-              <a:solidFill>
-                <a:srgbClr val="000000"/>
-              </a:solidFill>
-              <a:latin typeface="Calibri"/>
+              <a:latin typeface="Arial"/>
             </a:endParaRPr>
           </a:p>
           <a:p>
@@ -2782,18 +2666,12 @@
             </a:pPr>
             <a:r>
               <a:rPr b="0" lang="en-US" sz="2000" spc="-1" strike="noStrike">
-                <a:solidFill>
-                  <a:srgbClr val="000000"/>
-                </a:solidFill>
-                <a:latin typeface="Calibri"/>
+                <a:latin typeface="Arial"/>
               </a:rPr>
               <a:t>Sixth Outline Level</a:t>
             </a:r>
             <a:endParaRPr b="0" lang="en-US" sz="2000" spc="-1" strike="noStrike">
-              <a:solidFill>
-                <a:srgbClr val="000000"/>
-              </a:solidFill>
-              <a:latin typeface="Calibri"/>
+              <a:latin typeface="Arial"/>
             </a:endParaRPr>
           </a:p>
           <a:p>
@@ -2810,18 +2688,12 @@
             </a:pPr>
             <a:r>
               <a:rPr b="0" lang="en-US" sz="2000" spc="-1" strike="noStrike">
-                <a:solidFill>
-                  <a:srgbClr val="000000"/>
-                </a:solidFill>
-                <a:latin typeface="Calibri"/>
+                <a:latin typeface="Arial"/>
               </a:rPr>
               <a:t>Seventh Outline Level</a:t>
             </a:r>
             <a:endParaRPr b="0" lang="en-US" sz="2000" spc="-1" strike="noStrike">
-              <a:solidFill>
-                <a:srgbClr val="000000"/>
-              </a:solidFill>
-              <a:latin typeface="Calibri"/>
+              <a:latin typeface="Arial"/>
             </a:endParaRPr>
           </a:p>
         </p:txBody>
@@ -2872,9 +2744,9 @@
         <p:grpSpPr>
           <a:xfrm>
             <a:off x="14329080" y="2317320"/>
-            <a:ext cx="7320600" cy="6339600"/>
+            <a:ext cx="7320240" cy="6339240"/>
             <a:chOff x="14329080" y="2317320"/>
-            <a:chExt cx="7320600" cy="6339600"/>
+            <a:chExt cx="7320240" cy="6339240"/>
           </a:xfrm>
         </p:grpSpPr>
         <p:sp>
@@ -2886,7 +2758,7 @@
           <p:spPr>
             <a:xfrm>
               <a:off x="14329080" y="2317320"/>
-              <a:ext cx="7320600" cy="6339600"/>
+              <a:ext cx="7320240" cy="6339240"/>
             </a:xfrm>
             <a:custGeom>
               <a:avLst/>
@@ -2944,9 +2816,9 @@
         <p:grpSpPr>
           <a:xfrm>
             <a:off x="12123000" y="7035120"/>
-            <a:ext cx="4969800" cy="4303800"/>
+            <a:ext cx="4969440" cy="4303440"/>
             <a:chOff x="12123000" y="7035120"/>
-            <a:chExt cx="4969800" cy="4303800"/>
+            <a:chExt cx="4969440" cy="4303440"/>
           </a:xfrm>
         </p:grpSpPr>
         <p:sp>
@@ -2958,7 +2830,7 @@
           <p:spPr>
             <a:xfrm>
               <a:off x="12123000" y="7035120"/>
-              <a:ext cx="4969800" cy="4303800"/>
+              <a:ext cx="4969440" cy="4303440"/>
             </a:xfrm>
             <a:custGeom>
               <a:avLst/>
@@ -3016,9 +2888,9 @@
         <p:grpSpPr>
           <a:xfrm>
             <a:off x="12336480" y="5954760"/>
-            <a:ext cx="2271240" cy="1967040"/>
+            <a:ext cx="2270880" cy="1966680"/>
             <a:chOff x="12336480" y="5954760"/>
-            <a:chExt cx="2271240" cy="1967040"/>
+            <a:chExt cx="2270880" cy="1966680"/>
           </a:xfrm>
         </p:grpSpPr>
         <p:sp>
@@ -3030,7 +2902,7 @@
           <p:spPr>
             <a:xfrm>
               <a:off x="12336480" y="5954760"/>
-              <a:ext cx="2271240" cy="1967040"/>
+              <a:ext cx="2270880" cy="1966680"/>
             </a:xfrm>
             <a:custGeom>
               <a:avLst/>
@@ -3088,9 +2960,9 @@
         <p:grpSpPr>
           <a:xfrm>
             <a:off x="13737600" y="373680"/>
-            <a:ext cx="3799080" cy="3290040"/>
+            <a:ext cx="3798720" cy="3289680"/>
             <a:chOff x="13737600" y="373680"/>
-            <a:chExt cx="3799080" cy="3290040"/>
+            <a:chExt cx="3798720" cy="3289680"/>
           </a:xfrm>
         </p:grpSpPr>
         <p:sp>
@@ -3102,7 +2974,7 @@
           <p:spPr>
             <a:xfrm>
               <a:off x="13737600" y="373680"/>
-              <a:ext cx="3799080" cy="3290040"/>
+              <a:ext cx="3798720" cy="3289680"/>
             </a:xfrm>
             <a:custGeom>
               <a:avLst/>
@@ -3160,7 +3032,7 @@
         <p:spPr>
           <a:xfrm>
             <a:off x="2315880" y="706320"/>
-            <a:ext cx="6393240" cy="852840"/>
+            <a:ext cx="6392880" cy="852840"/>
           </a:xfrm>
           <a:prstGeom prst="rect">
             <a:avLst/>
@@ -3233,7 +3105,7 @@
         <p:spPr>
           <a:xfrm>
             <a:off x="389880" y="481680"/>
-            <a:ext cx="1609200" cy="1321560"/>
+            <a:ext cx="1608840" cy="1321200"/>
           </a:xfrm>
           <a:custGeom>
             <a:avLst/>
@@ -3286,9 +3158,9 @@
         <p:grpSpPr>
           <a:xfrm>
             <a:off x="450360" y="1706400"/>
-            <a:ext cx="11436840" cy="6111000"/>
+            <a:ext cx="11436480" cy="6111000"/>
             <a:chOff x="450360" y="1706400"/>
-            <a:chExt cx="11436840" cy="6111000"/>
+            <a:chExt cx="11436480" cy="6111000"/>
           </a:xfrm>
         </p:grpSpPr>
         <p:sp>
@@ -3300,7 +3172,7 @@
           <p:spPr>
             <a:xfrm>
               <a:off x="450360" y="1706400"/>
-              <a:ext cx="11436840" cy="3760200"/>
+              <a:ext cx="11436480" cy="3760200"/>
             </a:xfrm>
             <a:prstGeom prst="rect">
               <a:avLst/>
@@ -3373,7 +3245,7 @@
           <p:spPr>
             <a:xfrm>
               <a:off x="450360" y="5897520"/>
-              <a:ext cx="11436840" cy="1919880"/>
+              <a:ext cx="11436480" cy="1919880"/>
             </a:xfrm>
             <a:prstGeom prst="rect">
               <a:avLst/>
@@ -3448,7 +3320,7 @@
         <p:spPr>
           <a:xfrm>
             <a:off x="450360" y="8229600"/>
-            <a:ext cx="11436840" cy="1209240"/>
+            <a:ext cx="11436480" cy="1208880"/>
           </a:xfrm>
           <a:prstGeom prst="rect">
             <a:avLst/>
@@ -3557,10 +3429,10 @@
         </p:nvGrpSpPr>
         <p:grpSpPr>
           <a:xfrm>
-            <a:off x="11779920" y="-4150440"/>
-            <a:ext cx="8584920" cy="5441760"/>
-            <a:chOff x="11779920" y="-4150440"/>
-            <a:chExt cx="8584920" cy="5441760"/>
+            <a:off x="11780280" y="-4150080"/>
+            <a:ext cx="8584560" cy="5441400"/>
+            <a:chOff x="11780280" y="-4150080"/>
+            <a:chExt cx="8584560" cy="5441400"/>
           </a:xfrm>
         </p:grpSpPr>
         <p:sp>
@@ -3571,8 +3443,8 @@
           </p:nvSpPr>
           <p:spPr>
             <a:xfrm rot="10800000">
-              <a:off x="11779920" y="-4150440"/>
-              <a:ext cx="8584920" cy="5441760"/>
+              <a:off x="11780280" y="-4150080"/>
+              <a:ext cx="8584560" cy="5441400"/>
             </a:xfrm>
             <a:custGeom>
               <a:avLst/>
@@ -3630,9 +3502,9 @@
         <p:grpSpPr>
           <a:xfrm>
             <a:off x="11269800" y="-1279440"/>
-            <a:ext cx="2355840" cy="2040120"/>
+            <a:ext cx="2355480" cy="2039760"/>
             <a:chOff x="11269800" y="-1279440"/>
-            <a:chExt cx="2355840" cy="2040120"/>
+            <a:chExt cx="2355480" cy="2039760"/>
           </a:xfrm>
         </p:grpSpPr>
         <p:sp>
@@ -3644,7 +3516,7 @@
           <p:spPr>
             <a:xfrm>
               <a:off x="11269800" y="-1279440"/>
-              <a:ext cx="2355840" cy="2040120"/>
+              <a:ext cx="2355480" cy="2039760"/>
             </a:xfrm>
             <a:custGeom>
               <a:avLst/>
@@ -3702,7 +3574,7 @@
         <p:spPr>
           <a:xfrm>
             <a:off x="518760" y="80280"/>
-            <a:ext cx="9767880" cy="1981080"/>
+            <a:ext cx="9767520" cy="1981080"/>
           </a:xfrm>
           <a:prstGeom prst="rect">
             <a:avLst/>
@@ -3754,7 +3626,7 @@
         <p:spPr>
           <a:xfrm>
             <a:off x="13798080" y="146880"/>
-            <a:ext cx="4286160" cy="1003320"/>
+            <a:ext cx="4285800" cy="1003320"/>
           </a:xfrm>
           <a:prstGeom prst="rect">
             <a:avLst/>
@@ -3813,7 +3685,7 @@
         <p:spPr>
           <a:xfrm>
             <a:off x="8426520" y="3352680"/>
-            <a:ext cx="8641800" cy="5981400"/>
+            <a:ext cx="8641440" cy="5981040"/>
           </a:xfrm>
           <a:prstGeom prst="rect">
             <a:avLst/>
@@ -3836,7 +3708,7 @@
         <p:spPr>
           <a:xfrm>
             <a:off x="1371600" y="3200400"/>
-            <a:ext cx="5638320" cy="3616920"/>
+            <a:ext cx="5637960" cy="3616560"/>
           </a:xfrm>
           <a:prstGeom prst="rect">
             <a:avLst/>
@@ -3891,10 +3763,10 @@
         </p:nvGrpSpPr>
         <p:grpSpPr>
           <a:xfrm>
-            <a:off x="11779920" y="-4150440"/>
-            <a:ext cx="8584920" cy="5441760"/>
-            <a:chOff x="11779920" y="-4150440"/>
-            <a:chExt cx="8584920" cy="5441760"/>
+            <a:off x="11780280" y="-4150080"/>
+            <a:ext cx="8584560" cy="5441400"/>
+            <a:chOff x="11780280" y="-4150080"/>
+            <a:chExt cx="8584560" cy="5441400"/>
           </a:xfrm>
         </p:grpSpPr>
         <p:sp>
@@ -3905,8 +3777,8 @@
           </p:nvSpPr>
           <p:spPr>
             <a:xfrm rot="10800000">
-              <a:off x="11779920" y="-4150440"/>
-              <a:ext cx="8584920" cy="5441760"/>
+              <a:off x="11780280" y="-4150080"/>
+              <a:ext cx="8584560" cy="5441400"/>
             </a:xfrm>
             <a:custGeom>
               <a:avLst/>
@@ -3964,9 +3836,9 @@
         <p:grpSpPr>
           <a:xfrm>
             <a:off x="11269800" y="-1279440"/>
-            <a:ext cx="2355840" cy="2040120"/>
+            <a:ext cx="2355480" cy="2039760"/>
             <a:chOff x="11269800" y="-1279440"/>
-            <a:chExt cx="2355840" cy="2040120"/>
+            <a:chExt cx="2355480" cy="2039760"/>
           </a:xfrm>
         </p:grpSpPr>
         <p:sp>
@@ -3978,7 +3850,7 @@
           <p:spPr>
             <a:xfrm>
               <a:off x="11269800" y="-1279440"/>
-              <a:ext cx="2355840" cy="2040120"/>
+              <a:ext cx="2355480" cy="2039760"/>
             </a:xfrm>
             <a:custGeom>
               <a:avLst/>
@@ -4036,7 +3908,7 @@
         <p:spPr>
           <a:xfrm>
             <a:off x="851760" y="310320"/>
-            <a:ext cx="11415960" cy="991080"/>
+            <a:ext cx="11415600" cy="990720"/>
           </a:xfrm>
           <a:prstGeom prst="rect">
             <a:avLst/>
@@ -4088,7 +3960,7 @@
         <p:spPr>
           <a:xfrm>
             <a:off x="13798080" y="146880"/>
-            <a:ext cx="4286160" cy="1003320"/>
+            <a:ext cx="4285800" cy="1003320"/>
           </a:xfrm>
           <a:prstGeom prst="rect">
             <a:avLst/>
@@ -4147,7 +4019,7 @@
         <p:spPr>
           <a:xfrm>
             <a:off x="1143000" y="1638360"/>
-            <a:ext cx="5733000" cy="3929040"/>
+            <a:ext cx="5732640" cy="3928680"/>
           </a:xfrm>
           <a:prstGeom prst="rect">
             <a:avLst/>
@@ -4170,7 +4042,7 @@
         <p:spPr>
           <a:xfrm>
             <a:off x="1143000" y="5919840"/>
-            <a:ext cx="5733000" cy="3611520"/>
+            <a:ext cx="5732640" cy="3611160"/>
           </a:xfrm>
           <a:prstGeom prst="rect">
             <a:avLst/>
@@ -4193,7 +4065,7 @@
         <p:spPr>
           <a:xfrm>
             <a:off x="7418520" y="1617480"/>
-            <a:ext cx="9699120" cy="7942320"/>
+            <a:ext cx="9698760" cy="7941960"/>
           </a:xfrm>
           <a:prstGeom prst="rect">
             <a:avLst/>
@@ -4248,10 +4120,10 @@
         </p:nvGrpSpPr>
         <p:grpSpPr>
           <a:xfrm>
-            <a:off x="11779920" y="-4150440"/>
-            <a:ext cx="8584920" cy="5441760"/>
-            <a:chOff x="11779920" y="-4150440"/>
-            <a:chExt cx="8584920" cy="5441760"/>
+            <a:off x="11780280" y="-4150080"/>
+            <a:ext cx="8584560" cy="5441400"/>
+            <a:chOff x="11780280" y="-4150080"/>
+            <a:chExt cx="8584560" cy="5441400"/>
           </a:xfrm>
         </p:grpSpPr>
         <p:sp>
@@ -4262,8 +4134,8 @@
           </p:nvSpPr>
           <p:spPr>
             <a:xfrm rot="10800000">
-              <a:off x="11779920" y="-4150440"/>
-              <a:ext cx="8584920" cy="5441760"/>
+              <a:off x="11780280" y="-4150080"/>
+              <a:ext cx="8584560" cy="5441400"/>
             </a:xfrm>
             <a:custGeom>
               <a:avLst/>
@@ -4321,9 +4193,9 @@
         <p:grpSpPr>
           <a:xfrm>
             <a:off x="11269800" y="-1279440"/>
-            <a:ext cx="2355840" cy="2040120"/>
+            <a:ext cx="2355480" cy="2039760"/>
             <a:chOff x="11269800" y="-1279440"/>
-            <a:chExt cx="2355840" cy="2040120"/>
+            <a:chExt cx="2355480" cy="2039760"/>
           </a:xfrm>
         </p:grpSpPr>
         <p:sp>
@@ -4335,7 +4207,7 @@
           <p:spPr>
             <a:xfrm>
               <a:off x="11269800" y="-1279440"/>
-              <a:ext cx="2355840" cy="2040120"/>
+              <a:ext cx="2355480" cy="2039760"/>
             </a:xfrm>
             <a:custGeom>
               <a:avLst/>
@@ -4393,7 +4265,7 @@
         <p:spPr>
           <a:xfrm>
             <a:off x="851760" y="310320"/>
-            <a:ext cx="10755000" cy="1981800"/>
+            <a:ext cx="10754640" cy="1981440"/>
           </a:xfrm>
           <a:prstGeom prst="rect">
             <a:avLst/>
@@ -4445,7 +4317,7 @@
         <p:spPr>
           <a:xfrm>
             <a:off x="13798080" y="146880"/>
-            <a:ext cx="4286160" cy="1003320"/>
+            <a:ext cx="4285800" cy="1003320"/>
           </a:xfrm>
           <a:prstGeom prst="rect">
             <a:avLst/>
@@ -4504,7 +4376,7 @@
         <p:spPr>
           <a:xfrm>
             <a:off x="851760" y="2508480"/>
-            <a:ext cx="8259840" cy="5976360"/>
+            <a:ext cx="8259480" cy="5976000"/>
           </a:xfrm>
           <a:prstGeom prst="rect">
             <a:avLst/>
@@ -4527,7 +4399,7 @@
         <p:spPr>
           <a:xfrm>
             <a:off x="10030320" y="2853360"/>
-            <a:ext cx="7190280" cy="5100480"/>
+            <a:ext cx="7189920" cy="5100120"/>
           </a:xfrm>
           <a:prstGeom prst="rect">
             <a:avLst/>
@@ -4582,10 +4454,10 @@
         </p:nvGrpSpPr>
         <p:grpSpPr>
           <a:xfrm>
-            <a:off x="11779920" y="-4150440"/>
-            <a:ext cx="8584920" cy="5441760"/>
-            <a:chOff x="11779920" y="-4150440"/>
-            <a:chExt cx="8584920" cy="5441760"/>
+            <a:off x="11780280" y="-4150080"/>
+            <a:ext cx="8584560" cy="5441400"/>
+            <a:chOff x="11780280" y="-4150080"/>
+            <a:chExt cx="8584560" cy="5441400"/>
           </a:xfrm>
         </p:grpSpPr>
         <p:sp>
@@ -4596,8 +4468,8 @@
           </p:nvSpPr>
           <p:spPr>
             <a:xfrm rot="10800000">
-              <a:off x="11779920" y="-4150440"/>
-              <a:ext cx="8584920" cy="5441760"/>
+              <a:off x="11780280" y="-4150080"/>
+              <a:ext cx="8584560" cy="5441400"/>
             </a:xfrm>
             <a:custGeom>
               <a:avLst/>
@@ -4655,9 +4527,9 @@
         <p:grpSpPr>
           <a:xfrm>
             <a:off x="11269800" y="-1279440"/>
-            <a:ext cx="2355840" cy="2040120"/>
+            <a:ext cx="2355480" cy="2039760"/>
             <a:chOff x="11269800" y="-1279440"/>
-            <a:chExt cx="2355840" cy="2040120"/>
+            <a:chExt cx="2355480" cy="2039760"/>
           </a:xfrm>
         </p:grpSpPr>
         <p:sp>
@@ -4669,7 +4541,7 @@
           <p:spPr>
             <a:xfrm>
               <a:off x="11269800" y="-1279440"/>
-              <a:ext cx="2355840" cy="2040120"/>
+              <a:ext cx="2355480" cy="2039760"/>
             </a:xfrm>
             <a:custGeom>
               <a:avLst/>
@@ -4727,7 +4599,7 @@
         <p:spPr>
           <a:xfrm>
             <a:off x="518760" y="80280"/>
-            <a:ext cx="8624880" cy="991080"/>
+            <a:ext cx="8624520" cy="1981080"/>
           </a:xfrm>
           <a:prstGeom prst="rect">
             <a:avLst/>
@@ -4762,7 +4634,7 @@
                 <a:latin typeface="Muli Bold"/>
                 <a:ea typeface="Muli Bold"/>
               </a:rPr>
-              <a:t>Giao diện thống kê</a:t>
+              <a:t>Giao diện quan lý phiếu mượn</a:t>
             </a:r>
             <a:endParaRPr b="0" lang="en-US" sz="6000" spc="-1" strike="noStrike">
               <a:latin typeface="Arial"/>
@@ -4779,7 +4651,7 @@
         <p:spPr>
           <a:xfrm>
             <a:off x="13798080" y="146880"/>
-            <a:ext cx="4286160" cy="1003320"/>
+            <a:ext cx="4285800" cy="1003320"/>
           </a:xfrm>
           <a:prstGeom prst="rect">
             <a:avLst/>
@@ -4827,7 +4699,7 @@
       </p:sp>
       <p:pic>
         <p:nvPicPr>
-          <p:cNvPr id="166" name="Picture 11" descr=""/>
+          <p:cNvPr id="166" name="" descr=""/>
           <p:cNvPicPr/>
           <p:nvPr/>
         </p:nvPicPr>
@@ -4837,31 +4709,8 @@
         </p:blipFill>
         <p:spPr>
           <a:xfrm>
-            <a:off x="914400" y="1486080"/>
-            <a:ext cx="7782480" cy="5333760"/>
-          </a:xfrm>
-          <a:prstGeom prst="rect">
-            <a:avLst/>
-          </a:prstGeom>
-          <a:ln w="0">
-            <a:noFill/>
-          </a:ln>
-        </p:spPr>
-      </p:pic>
-      <p:pic>
-        <p:nvPicPr>
-          <p:cNvPr id="167" name="Picture 12" descr=""/>
-          <p:cNvPicPr/>
-          <p:nvPr/>
-        </p:nvPicPr>
-        <p:blipFill>
-          <a:blip r:embed="rId2"/>
-          <a:stretch/>
-        </p:blipFill>
-        <p:spPr>
-          <a:xfrm>
-            <a:off x="9144000" y="3632760"/>
-            <a:ext cx="8104320" cy="5554080"/>
+            <a:off x="3657600" y="2591280"/>
+            <a:ext cx="9562680" cy="6324120"/>
           </a:xfrm>
           <a:prstGeom prst="rect">
             <a:avLst/>
@@ -4885,333 +4734,6 @@
 </file>
 
 <file path=ppt/slides/slide14.xml><?xml version="1.0" encoding="utf-8"?>
-<p:sld xmlns:a="http://schemas.openxmlformats.org/drawingml/2006/main" xmlns:p="http://schemas.openxmlformats.org/presentationml/2006/main" xmlns:r="http://schemas.openxmlformats.org/officeDocument/2006/relationships" xmlns:p14="http://schemas.microsoft.com/office/powerpoint/2010/main" xmlns:p15="http://schemas.microsoft.com/office/powerpoint/2012/main" xmlns:mc="http://schemas.openxmlformats.org/markup-compatibility/2006">
-  <p:cSld>
-    <p:spTree>
-      <p:nvGrpSpPr>
-        <p:cNvPr id="1" name=""/>
-        <p:cNvGrpSpPr/>
-        <p:nvPr/>
-      </p:nvGrpSpPr>
-      <p:grpSpPr>
-        <a:xfrm>
-          <a:off x="0" y="0"/>
-          <a:ext cx="0" cy="0"/>
-          <a:chOff x="0" y="0"/>
-          <a:chExt cx="0" cy="0"/>
-        </a:xfrm>
-      </p:grpSpPr>
-      <p:grpSp>
-        <p:nvGrpSpPr>
-          <p:cNvPr id="168" name="Group 2"/>
-          <p:cNvGrpSpPr/>
-          <p:nvPr/>
-        </p:nvGrpSpPr>
-        <p:grpSpPr>
-          <a:xfrm>
-            <a:off x="11779920" y="-4150440"/>
-            <a:ext cx="8584920" cy="5441760"/>
-            <a:chOff x="11779920" y="-4150440"/>
-            <a:chExt cx="8584920" cy="5441760"/>
-          </a:xfrm>
-        </p:grpSpPr>
-        <p:sp>
-          <p:nvSpPr>
-            <p:cNvPr id="169" name="Freeform 3"/>
-            <p:cNvSpPr/>
-            <p:nvPr/>
-          </p:nvSpPr>
-          <p:spPr>
-            <a:xfrm rot="10800000">
-              <a:off x="11779920" y="-4150440"/>
-              <a:ext cx="8584920" cy="5441760"/>
-            </a:xfrm>
-            <a:custGeom>
-              <a:avLst/>
-              <a:gdLst/>
-              <a:ahLst/>
-              <a:rect l="l" t="t" r="r" b="b"/>
-              <a:pathLst>
-                <a:path w="8474859" h="5372100">
-                  <a:moveTo>
-                    <a:pt x="6924189" y="0"/>
-                  </a:moveTo>
-                  <a:lnTo>
-                    <a:pt x="1550670" y="0"/>
-                  </a:lnTo>
-                  <a:lnTo>
-                    <a:pt x="0" y="2686050"/>
-                  </a:lnTo>
-                  <a:lnTo>
-                    <a:pt x="1550670" y="5372100"/>
-                  </a:lnTo>
-                  <a:lnTo>
-                    <a:pt x="6924189" y="5372100"/>
-                  </a:lnTo>
-                  <a:lnTo>
-                    <a:pt x="8474859" y="2686050"/>
-                  </a:lnTo>
-                  <a:lnTo>
-                    <a:pt x="6924189" y="0"/>
-                  </a:lnTo>
-                  <a:close/>
-                </a:path>
-              </a:pathLst>
-            </a:custGeom>
-            <a:solidFill>
-              <a:srgbClr val="004651"/>
-            </a:solidFill>
-            <a:ln w="0">
-              <a:noFill/>
-            </a:ln>
-          </p:spPr>
-          <p:style>
-            <a:lnRef idx="0"/>
-            <a:fillRef idx="0"/>
-            <a:effectRef idx="0"/>
-            <a:fontRef idx="minor"/>
-          </p:style>
-        </p:sp>
-      </p:grpSp>
-      <p:grpSp>
-        <p:nvGrpSpPr>
-          <p:cNvPr id="170" name="Group 4"/>
-          <p:cNvGrpSpPr/>
-          <p:nvPr/>
-        </p:nvGrpSpPr>
-        <p:grpSpPr>
-          <a:xfrm>
-            <a:off x="11269800" y="-1279440"/>
-            <a:ext cx="2355840" cy="2040120"/>
-            <a:chOff x="11269800" y="-1279440"/>
-            <a:chExt cx="2355840" cy="2040120"/>
-          </a:xfrm>
-        </p:grpSpPr>
-        <p:sp>
-          <p:nvSpPr>
-            <p:cNvPr id="171" name="Freeform 5"/>
-            <p:cNvSpPr/>
-            <p:nvPr/>
-          </p:nvSpPr>
-          <p:spPr>
-            <a:xfrm>
-              <a:off x="11269800" y="-1279440"/>
-              <a:ext cx="2355840" cy="2040120"/>
-            </a:xfrm>
-            <a:custGeom>
-              <a:avLst/>
-              <a:gdLst/>
-              <a:ahLst/>
-              <a:rect l="l" t="t" r="r" b="b"/>
-              <a:pathLst>
-                <a:path w="6202680" h="5372100">
-                  <a:moveTo>
-                    <a:pt x="4652010" y="0"/>
-                  </a:moveTo>
-                  <a:lnTo>
-                    <a:pt x="1550670" y="0"/>
-                  </a:lnTo>
-                  <a:lnTo>
-                    <a:pt x="0" y="2686050"/>
-                  </a:lnTo>
-                  <a:lnTo>
-                    <a:pt x="1550670" y="5372100"/>
-                  </a:lnTo>
-                  <a:lnTo>
-                    <a:pt x="4652010" y="5372100"/>
-                  </a:lnTo>
-                  <a:lnTo>
-                    <a:pt x="6202680" y="2686050"/>
-                  </a:lnTo>
-                  <a:lnTo>
-                    <a:pt x="4652010" y="0"/>
-                  </a:lnTo>
-                  <a:close/>
-                </a:path>
-              </a:pathLst>
-            </a:custGeom>
-            <a:solidFill>
-              <a:srgbClr val="00a181"/>
-            </a:solidFill>
-            <a:ln w="0">
-              <a:noFill/>
-            </a:ln>
-          </p:spPr>
-          <p:style>
-            <a:lnRef idx="0"/>
-            <a:fillRef idx="0"/>
-            <a:effectRef idx="0"/>
-            <a:fontRef idx="minor"/>
-          </p:style>
-        </p:sp>
-      </p:grpSp>
-      <p:sp>
-        <p:nvSpPr>
-          <p:cNvPr id="172" name="TextBox 10"/>
-          <p:cNvSpPr/>
-          <p:nvPr/>
-        </p:nvSpPr>
-        <p:spPr>
-          <a:xfrm>
-            <a:off x="518760" y="80280"/>
-            <a:ext cx="8624880" cy="991080"/>
-          </a:xfrm>
-          <a:prstGeom prst="rect">
-            <a:avLst/>
-          </a:prstGeom>
-          <a:noFill/>
-          <a:ln w="0">
-            <a:noFill/>
-          </a:ln>
-        </p:spPr>
-        <p:style>
-          <a:lnRef idx="0"/>
-          <a:fillRef idx="0"/>
-          <a:effectRef idx="0"/>
-          <a:fontRef idx="minor"/>
-        </p:style>
-        <p:txBody>
-          <a:bodyPr lIns="0" rIns="0" tIns="0" bIns="0" anchor="t">
-            <a:spAutoFit/>
-          </a:bodyPr>
-          <a:p>
-            <a:pPr>
-              <a:lnSpc>
-                <a:spcPts val="7801"/>
-              </a:lnSpc>
-              <a:buNone/>
-            </a:pPr>
-            <a:r>
-              <a:rPr b="0" lang="en-US" sz="6000" spc="-60" strike="noStrike">
-                <a:solidFill>
-                  <a:srgbClr val="000000"/>
-                </a:solidFill>
-                <a:latin typeface="Muli Bold"/>
-                <a:ea typeface="Muli Bold"/>
-              </a:rPr>
-              <a:t>Giao diện thống kê</a:t>
-            </a:r>
-            <a:endParaRPr b="0" lang="en-US" sz="6000" spc="-1" strike="noStrike">
-              <a:latin typeface="Arial"/>
-            </a:endParaRPr>
-          </a:p>
-        </p:txBody>
-      </p:sp>
-      <p:sp>
-        <p:nvSpPr>
-          <p:cNvPr id="173" name="TextBox 11"/>
-          <p:cNvSpPr/>
-          <p:nvPr/>
-        </p:nvSpPr>
-        <p:spPr>
-          <a:xfrm>
-            <a:off x="13798080" y="146880"/>
-            <a:ext cx="4286160" cy="1003320"/>
-          </a:xfrm>
-          <a:prstGeom prst="rect">
-            <a:avLst/>
-          </a:prstGeom>
-          <a:noFill/>
-          <a:ln w="0">
-            <a:noFill/>
-          </a:ln>
-        </p:spPr>
-        <p:style>
-          <a:lnRef idx="0"/>
-          <a:fillRef idx="0"/>
-          <a:effectRef idx="0"/>
-          <a:fontRef idx="minor"/>
-        </p:style>
-        <p:txBody>
-          <a:bodyPr lIns="0" rIns="0" tIns="0" bIns="0" anchor="t">
-            <a:spAutoFit/>
-          </a:bodyPr>
-          <a:p>
-            <a:pPr>
-              <a:lnSpc>
-                <a:spcPts val="7903"/>
-              </a:lnSpc>
-              <a:buNone/>
-              <a:tabLst>
-                <a:tab algn="l" pos="0"/>
-              </a:tabLst>
-            </a:pPr>
-            <a:r>
-              <a:rPr b="0" lang="en-US" sz="6580" spc="-72" strike="noStrike">
-                <a:solidFill>
-                  <a:srgbClr val="f4f4f4"/>
-                </a:solidFill>
-                <a:latin typeface="Muli Bold"/>
-                <a:ea typeface="Muli Bold"/>
-              </a:rPr>
-              <a:t>Hiện thực </a:t>
-            </a:r>
-            <a:endParaRPr b="0" lang="en-US" sz="6580" spc="-1" strike="noStrike">
-              <a:latin typeface="Arial"/>
-            </a:endParaRPr>
-          </a:p>
-        </p:txBody>
-      </p:sp>
-      <p:pic>
-        <p:nvPicPr>
-          <p:cNvPr id="174" name="Picture 13" descr=""/>
-          <p:cNvPicPr/>
-          <p:nvPr/>
-        </p:nvPicPr>
-        <p:blipFill>
-          <a:blip r:embed="rId1"/>
-          <a:stretch/>
-        </p:blipFill>
-        <p:spPr>
-          <a:xfrm>
-            <a:off x="990720" y="1562040"/>
-            <a:ext cx="7695720" cy="5274360"/>
-          </a:xfrm>
-          <a:prstGeom prst="rect">
-            <a:avLst/>
-          </a:prstGeom>
-          <a:ln w="0">
-            <a:noFill/>
-          </a:ln>
-        </p:spPr>
-      </p:pic>
-      <p:pic>
-        <p:nvPicPr>
-          <p:cNvPr id="175" name="Picture 14" descr=""/>
-          <p:cNvPicPr/>
-          <p:nvPr/>
-        </p:nvPicPr>
-        <p:blipFill>
-          <a:blip r:embed="rId2"/>
-          <a:stretch/>
-        </p:blipFill>
-        <p:spPr>
-          <a:xfrm>
-            <a:off x="9486720" y="3907080"/>
-            <a:ext cx="8277480" cy="5672880"/>
-          </a:xfrm>
-          <a:prstGeom prst="rect">
-            <a:avLst/>
-          </a:prstGeom>
-          <a:ln w="0">
-            <a:noFill/>
-          </a:ln>
-        </p:spPr>
-      </p:pic>
-    </p:spTree>
-  </p:cSld>
-  <mc:AlternateContent>
-    <mc:Choice Requires="p14">
-      <p:transition spd="slow" p14:dur="2000"/>
-    </mc:Choice>
-    <mc:Fallback>
-      <p:transition spd="slow"/>
-    </mc:Fallback>
-  </mc:AlternateContent>
-</p:sld>
-</file>
-
-<file path=ppt/slides/slide15.xml><?xml version="1.0" encoding="utf-8"?>
 <p:sld xmlns:a="http://schemas.openxmlformats.org/drawingml/2006/main" xmlns:p="http://schemas.openxmlformats.org/presentationml/2006/main" xmlns:r="http://schemas.openxmlformats.org/officeDocument/2006/relationships" xmlns:p14="http://schemas.microsoft.com/office/powerpoint/2010/main" xmlns:p15="http://schemas.microsoft.com/office/powerpoint/2012/main" xmlns:mc="http://schemas.openxmlformats.org/markup-compatibility/2006">
   <p:cSld>
     <p:bg>
@@ -5237,28 +4759,28 @@
       </p:grpSpPr>
       <p:grpSp>
         <p:nvGrpSpPr>
-          <p:cNvPr id="176" name="Group 2"/>
+          <p:cNvPr id="167" name="Group 2"/>
           <p:cNvGrpSpPr/>
           <p:nvPr/>
         </p:nvGrpSpPr>
         <p:grpSpPr>
           <a:xfrm>
             <a:off x="14526720" y="-517320"/>
-            <a:ext cx="5268960" cy="4563000"/>
+            <a:ext cx="5268600" cy="4562640"/>
             <a:chOff x="14526720" y="-517320"/>
-            <a:chExt cx="5268960" cy="4563000"/>
+            <a:chExt cx="5268600" cy="4562640"/>
           </a:xfrm>
         </p:grpSpPr>
         <p:sp>
           <p:nvSpPr>
-            <p:cNvPr id="177" name="Freeform 3"/>
+            <p:cNvPr id="168" name="Freeform 3"/>
             <p:cNvSpPr/>
             <p:nvPr/>
           </p:nvSpPr>
           <p:spPr>
             <a:xfrm>
               <a:off x="14526720" y="-517320"/>
-              <a:ext cx="5268960" cy="4563000"/>
+              <a:ext cx="5268600" cy="4562640"/>
             </a:xfrm>
             <a:custGeom>
               <a:avLst/>
@@ -5309,28 +4831,28 @@
       </p:grpSp>
       <p:grpSp>
         <p:nvGrpSpPr>
-          <p:cNvPr id="178" name="Group 4"/>
+          <p:cNvPr id="169" name="Group 4"/>
           <p:cNvGrpSpPr/>
           <p:nvPr/>
         </p:nvGrpSpPr>
         <p:grpSpPr>
           <a:xfrm>
             <a:off x="13189320" y="182160"/>
-            <a:ext cx="2674080" cy="2315880"/>
+            <a:ext cx="2673720" cy="2315520"/>
             <a:chOff x="13189320" y="182160"/>
-            <a:chExt cx="2674080" cy="2315880"/>
+            <a:chExt cx="2673720" cy="2315520"/>
           </a:xfrm>
         </p:grpSpPr>
         <p:sp>
           <p:nvSpPr>
-            <p:cNvPr id="179" name="Freeform 5"/>
+            <p:cNvPr id="170" name="Freeform 5"/>
             <p:cNvSpPr/>
             <p:nvPr/>
           </p:nvSpPr>
           <p:spPr>
             <a:xfrm>
               <a:off x="13189320" y="182160"/>
-              <a:ext cx="2674080" cy="2315880"/>
+              <a:ext cx="2673720" cy="2315520"/>
             </a:xfrm>
             <a:custGeom>
               <a:avLst/>
@@ -5381,14 +4903,14 @@
       </p:grpSp>
       <p:sp>
         <p:nvSpPr>
-          <p:cNvPr id="180" name="TextBox 6"/>
+          <p:cNvPr id="171" name="TextBox 6"/>
           <p:cNvSpPr/>
           <p:nvPr/>
         </p:nvSpPr>
         <p:spPr>
           <a:xfrm>
             <a:off x="658800" y="4295880"/>
-            <a:ext cx="16599960" cy="2495160"/>
+            <a:ext cx="16599600" cy="2495160"/>
           </a:xfrm>
           <a:prstGeom prst="rect">
             <a:avLst/>
@@ -5498,9 +5020,9 @@
         <p:grpSpPr>
           <a:xfrm>
             <a:off x="1028880" y="971640"/>
-            <a:ext cx="16727400" cy="7667280"/>
+            <a:ext cx="16727040" cy="7666920"/>
             <a:chOff x="1028880" y="971640"/>
-            <a:chExt cx="16727400" cy="7667280"/>
+            <a:chExt cx="16727040" cy="7666920"/>
           </a:xfrm>
         </p:grpSpPr>
         <p:sp>
@@ -5512,7 +5034,7 @@
           <p:spPr>
             <a:xfrm>
               <a:off x="5562720" y="2603520"/>
-              <a:ext cx="12193560" cy="6035400"/>
+              <a:ext cx="12193200" cy="6035040"/>
             </a:xfrm>
             <a:prstGeom prst="rect">
               <a:avLst/>
@@ -5659,7 +5181,7 @@
           <p:spPr>
             <a:xfrm>
               <a:off x="1028880" y="971640"/>
-              <a:ext cx="14766120" cy="1369800"/>
+              <a:ext cx="14765760" cy="1369800"/>
             </a:xfrm>
             <a:prstGeom prst="rect">
               <a:avLst/>
@@ -5712,7 +5234,7 @@
         <p:spPr>
           <a:xfrm>
             <a:off x="12027960" y="8987040"/>
-            <a:ext cx="5230800" cy="302040"/>
+            <a:ext cx="5230440" cy="302040"/>
           </a:xfrm>
           <a:prstGeom prst="rect">
             <a:avLst/>
@@ -5765,9 +5287,9 @@
         <p:grpSpPr>
           <a:xfrm>
             <a:off x="-3562920" y="6077880"/>
-            <a:ext cx="6383160" cy="5527800"/>
+            <a:ext cx="6382800" cy="5527440"/>
             <a:chOff x="-3562920" y="6077880"/>
-            <a:chExt cx="6383160" cy="5527800"/>
+            <a:chExt cx="6382800" cy="5527440"/>
           </a:xfrm>
         </p:grpSpPr>
         <p:sp>
@@ -5779,7 +5301,7 @@
           <p:spPr>
             <a:xfrm>
               <a:off x="-3562920" y="6077880"/>
-              <a:ext cx="6383160" cy="5527800"/>
+              <a:ext cx="6382800" cy="5527440"/>
             </a:xfrm>
             <a:custGeom>
               <a:avLst/>
@@ -5837,9 +5359,9 @@
         <p:grpSpPr>
           <a:xfrm>
             <a:off x="1671840" y="7004520"/>
-            <a:ext cx="3034080" cy="2627640"/>
+            <a:ext cx="3033720" cy="2627280"/>
             <a:chOff x="1671840" y="7004520"/>
-            <a:chExt cx="3034080" cy="2627640"/>
+            <a:chExt cx="3033720" cy="2627280"/>
           </a:xfrm>
         </p:grpSpPr>
         <p:sp>
@@ -5851,7 +5373,7 @@
           <p:spPr>
             <a:xfrm>
               <a:off x="1671840" y="7004520"/>
-              <a:ext cx="3034080" cy="2627640"/>
+              <a:ext cx="3033720" cy="2627280"/>
             </a:xfrm>
             <a:custGeom>
               <a:avLst/>
@@ -5909,9 +5431,9 @@
         <p:grpSpPr>
           <a:xfrm>
             <a:off x="4053600" y="8956800"/>
-            <a:ext cx="2141280" cy="1854360"/>
+            <a:ext cx="2140920" cy="1854000"/>
             <a:chOff x="4053600" y="8956800"/>
-            <a:chExt cx="2141280" cy="1854360"/>
+            <a:chExt cx="2140920" cy="1854000"/>
           </a:xfrm>
         </p:grpSpPr>
         <p:sp>
@@ -5923,7 +5445,7 @@
           <p:spPr>
             <a:xfrm>
               <a:off x="4053600" y="8956800"/>
-              <a:ext cx="2141280" cy="1854360"/>
+              <a:ext cx="2140920" cy="1854000"/>
             </a:xfrm>
             <a:custGeom>
               <a:avLst/>
@@ -6018,9 +5540,9 @@
         <p:grpSpPr>
           <a:xfrm>
             <a:off x="-3562920" y="6077880"/>
-            <a:ext cx="6383160" cy="5527800"/>
+            <a:ext cx="6382800" cy="5527440"/>
             <a:chOff x="-3562920" y="6077880"/>
-            <a:chExt cx="6383160" cy="5527800"/>
+            <a:chExt cx="6382800" cy="5527440"/>
           </a:xfrm>
         </p:grpSpPr>
         <p:sp>
@@ -6032,7 +5554,7 @@
           <p:spPr>
             <a:xfrm>
               <a:off x="-3562920" y="6077880"/>
-              <a:ext cx="6383160" cy="5527800"/>
+              <a:ext cx="6382800" cy="5527440"/>
             </a:xfrm>
             <a:custGeom>
               <a:avLst/>
@@ -6090,9 +5612,9 @@
         <p:grpSpPr>
           <a:xfrm>
             <a:off x="1671840" y="7004520"/>
-            <a:ext cx="3034080" cy="2627640"/>
+            <a:ext cx="3033720" cy="2627280"/>
             <a:chOff x="1671840" y="7004520"/>
-            <a:chExt cx="3034080" cy="2627640"/>
+            <a:chExt cx="3033720" cy="2627280"/>
           </a:xfrm>
         </p:grpSpPr>
         <p:sp>
@@ -6104,7 +5626,7 @@
           <p:spPr>
             <a:xfrm>
               <a:off x="1671840" y="7004520"/>
-              <a:ext cx="3034080" cy="2627640"/>
+              <a:ext cx="3033720" cy="2627280"/>
             </a:xfrm>
             <a:custGeom>
               <a:avLst/>
@@ -6162,9 +5684,9 @@
         <p:grpSpPr>
           <a:xfrm>
             <a:off x="4053600" y="8956800"/>
-            <a:ext cx="2141280" cy="1854360"/>
+            <a:ext cx="2140920" cy="1854000"/>
             <a:chOff x="4053600" y="8956800"/>
-            <a:chExt cx="2141280" cy="1854360"/>
+            <a:chExt cx="2140920" cy="1854000"/>
           </a:xfrm>
         </p:grpSpPr>
         <p:sp>
@@ -6176,7 +5698,7 @@
           <p:spPr>
             <a:xfrm>
               <a:off x="4053600" y="8956800"/>
-              <a:ext cx="2141280" cy="1854360"/>
+              <a:ext cx="2140920" cy="1854000"/>
             </a:xfrm>
             <a:custGeom>
               <a:avLst/>
@@ -6234,9 +5756,9 @@
         <p:grpSpPr>
           <a:xfrm>
             <a:off x="564840" y="271080"/>
-            <a:ext cx="17138520" cy="8290440"/>
+            <a:ext cx="17138160" cy="8290080"/>
             <a:chOff x="564840" y="271080"/>
-            <a:chExt cx="17138520" cy="8290440"/>
+            <a:chExt cx="17138160" cy="8290080"/>
           </a:xfrm>
         </p:grpSpPr>
         <p:sp>
@@ -6248,7 +5770,7 @@
           <p:spPr>
             <a:xfrm>
               <a:off x="5124240" y="1977480"/>
-              <a:ext cx="12579120" cy="6584040"/>
+              <a:ext cx="12578760" cy="6583680"/>
             </a:xfrm>
             <a:prstGeom prst="rect">
               <a:avLst/>
@@ -6421,7 +5943,7 @@
           <p:spPr>
             <a:xfrm>
               <a:off x="564840" y="271080"/>
-              <a:ext cx="16693920" cy="1369800"/>
+              <a:ext cx="16693560" cy="1369800"/>
             </a:xfrm>
             <a:prstGeom prst="rect">
               <a:avLst/>
@@ -6474,7 +5996,7 @@
         <p:spPr>
           <a:xfrm>
             <a:off x="12027960" y="8987040"/>
-            <a:ext cx="5230800" cy="302040"/>
+            <a:ext cx="5230440" cy="302040"/>
           </a:xfrm>
           <a:prstGeom prst="rect">
             <a:avLst/>
@@ -6531,7 +6053,7 @@
         <p:spPr>
           <a:xfrm>
             <a:off x="981360" y="2618280"/>
-            <a:ext cx="3933360" cy="2971440"/>
+            <a:ext cx="3933000" cy="2971080"/>
           </a:xfrm>
           <a:prstGeom prst="rect">
             <a:avLst/>
@@ -6586,10 +6108,10 @@
         </p:nvGrpSpPr>
         <p:grpSpPr>
           <a:xfrm>
-            <a:off x="14983560" y="6059520"/>
-            <a:ext cx="7388280" cy="6398280"/>
-            <a:chOff x="14983560" y="6059520"/>
-            <a:chExt cx="7388280" cy="6398280"/>
+            <a:off x="14983920" y="6059880"/>
+            <a:ext cx="7387920" cy="6397920"/>
+            <a:chOff x="14983920" y="6059880"/>
+            <a:chExt cx="7387920" cy="6397920"/>
           </a:xfrm>
         </p:grpSpPr>
         <p:sp>
@@ -6600,8 +6122,8 @@
           </p:nvSpPr>
           <p:spPr>
             <a:xfrm rot="10800000">
-              <a:off x="14983560" y="6059520"/>
-              <a:ext cx="7388280" cy="6398280"/>
+              <a:off x="14983920" y="6059880"/>
+              <a:ext cx="7387920" cy="6397920"/>
             </a:xfrm>
             <a:custGeom>
               <a:avLst/>
@@ -6658,10 +6180,10 @@
         </p:nvGrpSpPr>
         <p:grpSpPr>
           <a:xfrm>
-            <a:off x="15322320" y="989280"/>
-            <a:ext cx="5276520" cy="4569480"/>
-            <a:chOff x="15322320" y="989280"/>
-            <a:chExt cx="5276520" cy="4569480"/>
+            <a:off x="15322680" y="989640"/>
+            <a:ext cx="5276160" cy="4569120"/>
+            <a:chOff x="15322680" y="989640"/>
+            <a:chExt cx="5276160" cy="4569120"/>
           </a:xfrm>
         </p:grpSpPr>
         <p:sp>
@@ -6672,8 +6194,8 @@
           </p:nvSpPr>
           <p:spPr>
             <a:xfrm rot="10800000">
-              <a:off x="15322320" y="989280"/>
-              <a:ext cx="5276520" cy="4569480"/>
+              <a:off x="15322680" y="989640"/>
+              <a:ext cx="5276160" cy="4569120"/>
             </a:xfrm>
             <a:custGeom>
               <a:avLst/>
@@ -6731,7 +6253,7 @@
         <p:spPr>
           <a:xfrm>
             <a:off x="1893960" y="2296800"/>
-            <a:ext cx="11121480" cy="6905880"/>
+            <a:ext cx="11121120" cy="6905880"/>
           </a:xfrm>
           <a:prstGeom prst="rect">
             <a:avLst/>
@@ -6786,7 +6308,7 @@
         <p:spPr>
           <a:xfrm>
             <a:off x="1028880" y="8976960"/>
-            <a:ext cx="5230800" cy="298080"/>
+            <a:ext cx="5230440" cy="298080"/>
           </a:xfrm>
           <a:prstGeom prst="rect">
             <a:avLst/>
@@ -6838,10 +6360,10 @@
         </p:nvGrpSpPr>
         <p:grpSpPr>
           <a:xfrm>
-            <a:off x="10965960" y="7845840"/>
-            <a:ext cx="3801240" cy="3291840"/>
-            <a:chOff x="10965960" y="7845840"/>
-            <a:chExt cx="3801240" cy="3291840"/>
+            <a:off x="10966320" y="7846200"/>
+            <a:ext cx="3800880" cy="3291480"/>
+            <a:chOff x="10966320" y="7846200"/>
+            <a:chExt cx="3800880" cy="3291480"/>
           </a:xfrm>
         </p:grpSpPr>
         <p:sp>
@@ -6852,8 +6374,8 @@
           </p:nvSpPr>
           <p:spPr>
             <a:xfrm rot="10800000">
-              <a:off x="10965960" y="7845840"/>
-              <a:ext cx="3801240" cy="3291840"/>
+              <a:off x="10966320" y="7846200"/>
+              <a:ext cx="3800880" cy="3291480"/>
             </a:xfrm>
             <a:custGeom>
               <a:avLst/>
@@ -6976,9 +6498,9 @@
         <p:grpSpPr>
           <a:xfrm>
             <a:off x="2732040" y="8143560"/>
-            <a:ext cx="379800" cy="329040"/>
+            <a:ext cx="379440" cy="328680"/>
             <a:chOff x="2732040" y="8143560"/>
-            <a:chExt cx="379800" cy="329040"/>
+            <a:chExt cx="379440" cy="328680"/>
           </a:xfrm>
         </p:grpSpPr>
         <p:sp>
@@ -6990,7 +6512,7 @@
           <p:spPr>
             <a:xfrm>
               <a:off x="2732040" y="8143560"/>
-              <a:ext cx="379800" cy="329040"/>
+              <a:ext cx="379440" cy="328680"/>
             </a:xfrm>
             <a:custGeom>
               <a:avLst/>
@@ -7048,9 +6570,9 @@
         <p:grpSpPr>
           <a:xfrm>
             <a:off x="8953920" y="8162640"/>
-            <a:ext cx="379800" cy="329040"/>
+            <a:ext cx="379440" cy="328680"/>
             <a:chOff x="8953920" y="8162640"/>
-            <a:chExt cx="379800" cy="329040"/>
+            <a:chExt cx="379440" cy="328680"/>
           </a:xfrm>
         </p:grpSpPr>
         <p:sp>
@@ -7062,7 +6584,7 @@
           <p:spPr>
             <a:xfrm>
               <a:off x="8953920" y="8162640"/>
-              <a:ext cx="379800" cy="329040"/>
+              <a:ext cx="379440" cy="328680"/>
             </a:xfrm>
             <a:custGeom>
               <a:avLst/>
@@ -7120,9 +6642,9 @@
         <p:grpSpPr>
           <a:xfrm>
             <a:off x="15049440" y="8162640"/>
-            <a:ext cx="379800" cy="329040"/>
+            <a:ext cx="379440" cy="328680"/>
             <a:chOff x="15049440" y="8162640"/>
-            <a:chExt cx="379800" cy="329040"/>
+            <a:chExt cx="379440" cy="328680"/>
           </a:xfrm>
         </p:grpSpPr>
         <p:sp>
@@ -7134,7 +6656,7 @@
           <p:spPr>
             <a:xfrm>
               <a:off x="15049440" y="8162640"/>
-              <a:ext cx="379800" cy="329040"/>
+              <a:ext cx="379440" cy="328680"/>
             </a:xfrm>
             <a:custGeom>
               <a:avLst/>
@@ -7192,9 +6714,9 @@
         <p:grpSpPr>
           <a:xfrm>
             <a:off x="16799040" y="2687760"/>
-            <a:ext cx="2977560" cy="2578320"/>
+            <a:ext cx="2977200" cy="2577960"/>
             <a:chOff x="16799040" y="2687760"/>
-            <a:chExt cx="2977560" cy="2578320"/>
+            <a:chExt cx="2977200" cy="2577960"/>
           </a:xfrm>
         </p:grpSpPr>
         <p:sp>
@@ -7206,7 +6728,7 @@
           <p:spPr>
             <a:xfrm>
               <a:off x="16799040" y="2687760"/>
-              <a:ext cx="2977560" cy="2578320"/>
+              <a:ext cx="2977200" cy="2577960"/>
             </a:xfrm>
             <a:custGeom>
               <a:avLst/>
@@ -7264,9 +6786,9 @@
         <p:grpSpPr>
           <a:xfrm>
             <a:off x="13660200" y="-135360"/>
-            <a:ext cx="4201200" cy="3638160"/>
+            <a:ext cx="4200840" cy="3637800"/>
             <a:chOff x="13660200" y="-135360"/>
-            <a:chExt cx="4201200" cy="3638160"/>
+            <a:chExt cx="4200840" cy="3637800"/>
           </a:xfrm>
         </p:grpSpPr>
         <p:sp>
@@ -7278,7 +6800,7 @@
           <p:spPr>
             <a:xfrm>
               <a:off x="13660200" y="-135360"/>
-              <a:ext cx="4201200" cy="3638160"/>
+              <a:ext cx="4200840" cy="3637800"/>
             </a:xfrm>
             <a:custGeom>
               <a:avLst/>
@@ -7336,9 +6858,9 @@
         <p:grpSpPr>
           <a:xfrm>
             <a:off x="13244040" y="-956160"/>
-            <a:ext cx="2481120" cy="2148480"/>
+            <a:ext cx="2480760" cy="2148120"/>
             <a:chOff x="13244040" y="-956160"/>
-            <a:chExt cx="2481120" cy="2148480"/>
+            <a:chExt cx="2480760" cy="2148120"/>
           </a:xfrm>
         </p:grpSpPr>
         <p:sp>
@@ -7350,7 +6872,7 @@
           <p:spPr>
             <a:xfrm>
               <a:off x="13244040" y="-956160"/>
-              <a:ext cx="2481120" cy="2148480"/>
+              <a:ext cx="2480760" cy="2148120"/>
             </a:xfrm>
             <a:custGeom>
               <a:avLst/>
@@ -7408,7 +6930,7 @@
         <p:spPr>
           <a:xfrm>
             <a:off x="1591200" y="7468920"/>
-            <a:ext cx="3465720" cy="548280"/>
+            <a:ext cx="3465360" cy="548280"/>
           </a:xfrm>
           <a:prstGeom prst="rect">
             <a:avLst/>
@@ -7463,7 +6985,7 @@
         <p:spPr>
           <a:xfrm>
             <a:off x="7086600" y="7409520"/>
-            <a:ext cx="4643640" cy="591480"/>
+            <a:ext cx="4643280" cy="591120"/>
           </a:xfrm>
           <a:prstGeom prst="rect">
             <a:avLst/>
@@ -7518,7 +7040,7 @@
         <p:spPr>
           <a:xfrm>
             <a:off x="14027400" y="7452000"/>
-            <a:ext cx="2889000" cy="549000"/>
+            <a:ext cx="2888640" cy="548640"/>
           </a:xfrm>
           <a:prstGeom prst="rect">
             <a:avLst/>
@@ -7573,7 +7095,7 @@
         <p:spPr>
           <a:xfrm>
             <a:off x="1028880" y="1038240"/>
-            <a:ext cx="7766280" cy="2590200"/>
+            <a:ext cx="7765920" cy="2590200"/>
           </a:xfrm>
           <a:prstGeom prst="rect">
             <a:avLst/>
@@ -7625,7 +7147,7 @@
         <p:spPr>
           <a:xfrm>
             <a:off x="1028880" y="8987040"/>
-            <a:ext cx="5230800" cy="302040"/>
+            <a:ext cx="5230440" cy="302040"/>
           </a:xfrm>
           <a:prstGeom prst="rect">
             <a:avLst/>
@@ -7682,7 +7204,7 @@
         <p:spPr>
           <a:xfrm>
             <a:off x="6260040" y="4467600"/>
-            <a:ext cx="5752800" cy="2703600"/>
+            <a:ext cx="5752440" cy="2703240"/>
           </a:xfrm>
           <a:prstGeom prst="rect">
             <a:avLst/>
@@ -7705,7 +7227,7 @@
         <p:spPr>
           <a:xfrm>
             <a:off x="2054520" y="4457160"/>
-            <a:ext cx="2857320" cy="2857320"/>
+            <a:ext cx="2856960" cy="2856960"/>
           </a:xfrm>
           <a:prstGeom prst="rect">
             <a:avLst/>
@@ -7728,7 +7250,7 @@
         <p:spPr>
           <a:xfrm>
             <a:off x="13660200" y="4560840"/>
-            <a:ext cx="3205800" cy="2601720"/>
+            <a:ext cx="3205440" cy="2601360"/>
           </a:xfrm>
           <a:prstGeom prst="rect">
             <a:avLst/>
@@ -7783,10 +7305,10 @@
         </p:nvGrpSpPr>
         <p:grpSpPr>
           <a:xfrm>
-            <a:off x="-3110040" y="-783000"/>
-            <a:ext cx="13030560" cy="11284560"/>
-            <a:chOff x="-3110040" y="-783000"/>
-            <a:chExt cx="13030560" cy="11284560"/>
+            <a:off x="-3109680" y="-782640"/>
+            <a:ext cx="13030200" cy="11284200"/>
+            <a:chOff x="-3109680" y="-782640"/>
+            <a:chExt cx="13030200" cy="11284200"/>
           </a:xfrm>
         </p:grpSpPr>
         <p:sp>
@@ -7797,8 +7319,8 @@
           </p:nvSpPr>
           <p:spPr>
             <a:xfrm rot="10800000">
-              <a:off x="-3110040" y="-783000"/>
-              <a:ext cx="13030560" cy="11284560"/>
+              <a:off x="-3109680" y="-782640"/>
+              <a:ext cx="13030200" cy="11284200"/>
             </a:xfrm>
             <a:custGeom>
               <a:avLst/>
@@ -7856,9 +7378,9 @@
         <p:grpSpPr>
           <a:xfrm>
             <a:off x="11870280" y="708840"/>
-            <a:ext cx="4605120" cy="5197320"/>
+            <a:ext cx="4604760" cy="4741920"/>
             <a:chOff x="11870280" y="708840"/>
-            <a:chExt cx="4605120" cy="5197320"/>
+            <a:chExt cx="4604760" cy="4741920"/>
           </a:xfrm>
         </p:grpSpPr>
         <p:sp>
@@ -7870,7 +7392,7 @@
           <p:spPr>
             <a:xfrm>
               <a:off x="11870280" y="708840"/>
-              <a:ext cx="4605120" cy="509760"/>
+              <a:ext cx="4604760" cy="509760"/>
             </a:xfrm>
             <a:prstGeom prst="rect">
               <a:avLst/>
@@ -7925,7 +7447,7 @@
           <p:spPr>
             <a:xfrm>
               <a:off x="11870280" y="1351800"/>
-              <a:ext cx="4605120" cy="4554360"/>
+              <a:ext cx="4604760" cy="4098960"/>
             </a:xfrm>
             <a:prstGeom prst="rect">
               <a:avLst/>
@@ -8050,30 +7572,6 @@
                 <a:latin typeface="Arial"/>
               </a:endParaRPr>
             </a:p>
-            <a:p>
-              <a:pPr>
-                <a:lnSpc>
-                  <a:spcPts val="3586"/>
-                </a:lnSpc>
-                <a:buNone/>
-                <a:tabLst>
-                  <a:tab algn="l" pos="0"/>
-                </a:tabLst>
-              </a:pPr>
-              <a:r>
-                <a:rPr b="0" lang="en-US" sz="2560" spc="-1" strike="noStrike">
-                  <a:solidFill>
-                    <a:srgbClr val="000000"/>
-                  </a:solidFill>
-                  <a:latin typeface="Muli"/>
-                  <a:ea typeface="Muli"/>
-                </a:rPr>
-                <a:t>Thống kê </a:t>
-              </a:r>
-              <a:endParaRPr b="0" lang="en-US" sz="2560" spc="-1" strike="noStrike">
-                <a:latin typeface="Arial"/>
-              </a:endParaRPr>
-            </a:p>
           </p:txBody>
         </p:sp>
       </p:grpSp>
@@ -8086,7 +7584,7 @@
         <p:spPr>
           <a:xfrm>
             <a:off x="1028880" y="8976960"/>
-            <a:ext cx="5230800" cy="298080"/>
+            <a:ext cx="5230440" cy="298080"/>
           </a:xfrm>
           <a:prstGeom prst="rect">
             <a:avLst/>
@@ -8139,7 +7637,7 @@
         <p:spPr>
           <a:xfrm>
             <a:off x="1352520" y="4652280"/>
-            <a:ext cx="6382800" cy="1848600"/>
+            <a:ext cx="6382440" cy="1848600"/>
           </a:xfrm>
           <a:prstGeom prst="rect">
             <a:avLst/>
@@ -8191,7 +7689,7 @@
         <p:spPr>
           <a:xfrm>
             <a:off x="9920520" y="2176920"/>
-            <a:ext cx="1327320" cy="1339560"/>
+            <a:ext cx="1326960" cy="1339200"/>
           </a:xfrm>
           <a:custGeom>
             <a:avLst/>
@@ -8244,7 +7742,7 @@
         <p:spPr>
           <a:xfrm>
             <a:off x="9920520" y="7324200"/>
-            <a:ext cx="1327320" cy="1003680"/>
+            <a:ext cx="1326960" cy="1003320"/>
           </a:xfrm>
           <a:custGeom>
             <a:avLst/>
@@ -8297,9 +7795,9 @@
         <p:grpSpPr>
           <a:xfrm>
             <a:off x="11870280" y="6175800"/>
-            <a:ext cx="4614480" cy="3414600"/>
+            <a:ext cx="4614120" cy="2959920"/>
             <a:chOff x="11870280" y="6175800"/>
-            <a:chExt cx="4614480" cy="3414600"/>
+            <a:chExt cx="4614120" cy="2959920"/>
           </a:xfrm>
         </p:grpSpPr>
         <p:sp>
@@ -8311,7 +7809,7 @@
           <p:spPr>
             <a:xfrm>
               <a:off x="11870280" y="6175800"/>
-              <a:ext cx="4605120" cy="509760"/>
+              <a:ext cx="4604760" cy="509760"/>
             </a:xfrm>
             <a:prstGeom prst="rect">
               <a:avLst/>
@@ -8366,7 +7864,7 @@
           <p:spPr>
             <a:xfrm>
               <a:off x="11879640" y="6858360"/>
-              <a:ext cx="4605120" cy="2732040"/>
+              <a:ext cx="4604760" cy="2277360"/>
             </a:xfrm>
             <a:prstGeom prst="rect">
               <a:avLst/>
@@ -8443,7 +7941,7 @@
                   <a:latin typeface="Muli"/>
                   <a:ea typeface="Muli"/>
                 </a:rPr>
-                <a:t>Nhập/xuất file</a:t>
+                <a:t>xuất file</a:t>
               </a:r>
               <a:endParaRPr b="0" lang="en-US" sz="2560" spc="-1" strike="noStrike">
                 <a:latin typeface="Arial"/>
@@ -8465,27 +7963,6 @@
                   <a:ea typeface="Muli"/>
                 </a:rPr>
                 <a:t>Tìm kiếm, phân trang thực thể</a:t>
-              </a:r>
-              <a:endParaRPr b="0" lang="en-US" sz="2560" spc="-1" strike="noStrike">
-                <a:latin typeface="Arial"/>
-              </a:endParaRPr>
-            </a:p>
-            <a:p>
-              <a:pPr>
-                <a:lnSpc>
-                  <a:spcPts val="3586"/>
-                </a:lnSpc>
-                <a:buNone/>
-              </a:pPr>
-              <a:r>
-                <a:rPr b="0" lang="en-US" sz="2560" spc="-1" strike="noStrike">
-                  <a:solidFill>
-                    <a:srgbClr val="000000"/>
-                  </a:solidFill>
-                  <a:latin typeface="Muli"/>
-                  <a:ea typeface="Muli"/>
-                </a:rPr>
-                <a:t>Tính toán, vẽ biểu đồ</a:t>
               </a:r>
               <a:endParaRPr b="0" lang="en-US" sz="2560" spc="-1" strike="noStrike">
                 <a:latin typeface="Arial"/>
@@ -8540,7 +8017,7 @@
         <p:spPr>
           <a:xfrm>
             <a:off x="163800" y="4548960"/>
-            <a:ext cx="4156920" cy="628560"/>
+            <a:ext cx="4156560" cy="628560"/>
           </a:xfrm>
           <a:prstGeom prst="rect">
             <a:avLst/>
@@ -8596,7 +8073,7 @@
         <p:spPr>
           <a:xfrm>
             <a:off x="4321080" y="1188720"/>
-            <a:ext cx="11963160" cy="7908840"/>
+            <a:ext cx="11962800" cy="7908480"/>
           </a:xfrm>
           <a:prstGeom prst="rect">
             <a:avLst/>
@@ -8651,10 +8128,10 @@
         </p:nvGrpSpPr>
         <p:grpSpPr>
           <a:xfrm>
-            <a:off x="11779920" y="-4150440"/>
-            <a:ext cx="8584920" cy="5441760"/>
-            <a:chOff x="11779920" y="-4150440"/>
-            <a:chExt cx="8584920" cy="5441760"/>
+            <a:off x="11780280" y="-4150080"/>
+            <a:ext cx="8584560" cy="5441400"/>
+            <a:chOff x="11780280" y="-4150080"/>
+            <a:chExt cx="8584560" cy="5441400"/>
           </a:xfrm>
         </p:grpSpPr>
         <p:sp>
@@ -8665,8 +8142,8 @@
           </p:nvSpPr>
           <p:spPr>
             <a:xfrm rot="10800000">
-              <a:off x="11779920" y="-4150440"/>
-              <a:ext cx="8584920" cy="5441760"/>
+              <a:off x="11780280" y="-4150080"/>
+              <a:ext cx="8584560" cy="5441400"/>
             </a:xfrm>
             <a:custGeom>
               <a:avLst/>
@@ -8724,9 +8201,9 @@
         <p:grpSpPr>
           <a:xfrm>
             <a:off x="11269800" y="-1279440"/>
-            <a:ext cx="2355840" cy="2040120"/>
+            <a:ext cx="2355480" cy="2039760"/>
             <a:chOff x="11269800" y="-1279440"/>
-            <a:chExt cx="2355840" cy="2040120"/>
+            <a:chExt cx="2355480" cy="2039760"/>
           </a:xfrm>
         </p:grpSpPr>
         <p:sp>
@@ -8738,7 +8215,7 @@
           <p:spPr>
             <a:xfrm>
               <a:off x="11269800" y="-1279440"/>
-              <a:ext cx="2355840" cy="2040120"/>
+              <a:ext cx="2355480" cy="2039760"/>
             </a:xfrm>
             <a:custGeom>
               <a:avLst/>
@@ -8796,7 +8273,7 @@
         <p:spPr>
           <a:xfrm>
             <a:off x="1028880" y="504720"/>
-            <a:ext cx="8624880" cy="990360"/>
+            <a:ext cx="8624520" cy="990360"/>
           </a:xfrm>
           <a:prstGeom prst="rect">
             <a:avLst/>
@@ -8848,7 +8325,7 @@
         <p:spPr>
           <a:xfrm>
             <a:off x="330120" y="2575080"/>
-            <a:ext cx="5193360" cy="928440"/>
+            <a:ext cx="5193000" cy="928080"/>
           </a:xfrm>
           <a:prstGeom prst="rect">
             <a:avLst/>
@@ -8900,7 +8377,7 @@
         <p:spPr>
           <a:xfrm>
             <a:off x="330120" y="3595320"/>
-            <a:ext cx="6886080" cy="3210120"/>
+            <a:ext cx="6885720" cy="3210120"/>
           </a:xfrm>
           <a:prstGeom prst="rect">
             <a:avLst/>
@@ -8977,7 +8454,7 @@
         <p:spPr>
           <a:xfrm>
             <a:off x="7848720" y="1866960"/>
-            <a:ext cx="10079640" cy="7391160"/>
+            <a:ext cx="10079280" cy="7390800"/>
           </a:xfrm>
           <a:prstGeom prst="rect">
             <a:avLst/>
@@ -9032,10 +8509,10 @@
         </p:nvGrpSpPr>
         <p:grpSpPr>
           <a:xfrm>
-            <a:off x="14983560" y="6059520"/>
-            <a:ext cx="7388280" cy="6398280"/>
-            <a:chOff x="14983560" y="6059520"/>
-            <a:chExt cx="7388280" cy="6398280"/>
+            <a:off x="14983920" y="6059880"/>
+            <a:ext cx="7387920" cy="6397920"/>
+            <a:chOff x="14983920" y="6059880"/>
+            <a:chExt cx="7387920" cy="6397920"/>
           </a:xfrm>
         </p:grpSpPr>
         <p:sp>
@@ -9046,8 +8523,8 @@
           </p:nvSpPr>
           <p:spPr>
             <a:xfrm rot="10800000">
-              <a:off x="14983560" y="6059520"/>
-              <a:ext cx="7388280" cy="6398280"/>
+              <a:off x="14983920" y="6059880"/>
+              <a:ext cx="7387920" cy="6397920"/>
             </a:xfrm>
             <a:custGeom>
               <a:avLst/>
@@ -9104,10 +8581,10 @@
         </p:nvGrpSpPr>
         <p:grpSpPr>
           <a:xfrm>
-            <a:off x="15322320" y="989280"/>
-            <a:ext cx="5276520" cy="4569480"/>
-            <a:chOff x="15322320" y="989280"/>
-            <a:chExt cx="5276520" cy="4569480"/>
+            <a:off x="15322680" y="989640"/>
+            <a:ext cx="5276160" cy="4569120"/>
+            <a:chOff x="15322680" y="989640"/>
+            <a:chExt cx="5276160" cy="4569120"/>
           </a:xfrm>
         </p:grpSpPr>
         <p:sp>
@@ -9118,8 +8595,8 @@
           </p:nvSpPr>
           <p:spPr>
             <a:xfrm rot="10800000">
-              <a:off x="15322320" y="989280"/>
-              <a:ext cx="5276520" cy="4569480"/>
+              <a:off x="15322680" y="989640"/>
+              <a:ext cx="5276160" cy="4569120"/>
             </a:xfrm>
             <a:custGeom>
               <a:avLst/>
@@ -9177,7 +8654,7 @@
         <p:spPr>
           <a:xfrm>
             <a:off x="3377520" y="3283560"/>
-            <a:ext cx="8875080" cy="2077920"/>
+            <a:ext cx="8874720" cy="2077920"/>
           </a:xfrm>
           <a:prstGeom prst="rect">
             <a:avLst/>
@@ -9232,7 +8709,7 @@
         <p:spPr>
           <a:xfrm>
             <a:off x="1028880" y="8976960"/>
-            <a:ext cx="5230800" cy="298080"/>
+            <a:ext cx="5230440" cy="298080"/>
           </a:xfrm>
           <a:prstGeom prst="rect">
             <a:avLst/>
@@ -9284,10 +8761,10 @@
         </p:nvGrpSpPr>
         <p:grpSpPr>
           <a:xfrm>
-            <a:off x="10965960" y="7845840"/>
-            <a:ext cx="3801240" cy="3291840"/>
-            <a:chOff x="10965960" y="7845840"/>
-            <a:chExt cx="3801240" cy="3291840"/>
+            <a:off x="10966320" y="7846200"/>
+            <a:ext cx="3800880" cy="3291480"/>
+            <a:chOff x="10966320" y="7846200"/>
+            <a:chExt cx="3800880" cy="3291480"/>
           </a:xfrm>
         </p:grpSpPr>
         <p:sp>
@@ -9298,8 +8775,8 @@
           </p:nvSpPr>
           <p:spPr>
             <a:xfrm rot="10800000">
-              <a:off x="10965960" y="7845840"/>
-              <a:ext cx="3801240" cy="3291840"/>
+              <a:off x="10966320" y="7846200"/>
+              <a:ext cx="3800880" cy="3291480"/>
             </a:xfrm>
             <a:custGeom>
               <a:avLst/>
